--- a/RepoDb.Wiki/Files/HLA.pptx
+++ b/RepoDb.Wiki/Files/HLA.pptx
@@ -104,6 +104,11 @@
       </a:defRPr>
     </a:lvl9pPr>
   </p:defaultTextStyle>
+  <p:extLst>
+    <p:ext uri="{EFAFB233-063F-42B5-8137-9DF3F51BA10A}">
+      <p15:sldGuideLst xmlns:p15="http://schemas.microsoft.com/office/powerpoint/2012/main"/>
+    </p:ext>
+  </p:extLst>
 </p:presentation>
 </file>
 
@@ -2980,40 +2985,39 @@
         </p:nvSpPr>
         <p:spPr>
           <a:xfrm>
-            <a:off x="6352992" y="5601222"/>
-            <a:ext cx="1237550" cy="597593"/>
+            <a:off x="5258943" y="5283920"/>
+            <a:ext cx="1685925" cy="874340"/>
           </a:xfrm>
           <a:prstGeom prst="flowChartMagneticDisk">
             <a:avLst/>
           </a:prstGeom>
           <a:solidFill>
-            <a:schemeClr val="accent1">
-              <a:lumMod val="20000"/>
-              <a:lumOff val="80000"/>
+            <a:schemeClr val="bg1">
+              <a:lumMod val="95000"/>
             </a:schemeClr>
           </a:solidFill>
-          <a:ln w="9525">
+          <a:ln>
             <a:solidFill>
               <a:schemeClr val="bg1">
-                <a:lumMod val="50000"/>
+                <a:lumMod val="85000"/>
               </a:schemeClr>
             </a:solidFill>
-            <a:prstDash val="dash"/>
           </a:ln>
-          <a:effectLst/>
         </p:spPr>
         <p:style>
-          <a:lnRef idx="1">
-            <a:schemeClr val="accent1"/>
+          <a:lnRef idx="2">
+            <a:schemeClr val="accent1">
+              <a:shade val="50000"/>
+            </a:schemeClr>
           </a:lnRef>
-          <a:fillRef idx="2">
+          <a:fillRef idx="1">
             <a:schemeClr val="accent1"/>
           </a:fillRef>
-          <a:effectRef idx="1">
+          <a:effectRef idx="0">
             <a:schemeClr val="accent1"/>
           </a:effectRef>
           <a:fontRef idx="minor">
-            <a:schemeClr val="dk1"/>
+            <a:schemeClr val="lt1"/>
           </a:fontRef>
         </p:style>
         <p:txBody>
@@ -3022,259 +3026,102 @@
           <a:p>
             <a:pPr algn="ctr"/>
             <a:r>
-              <a:rPr lang="en-US" sz="900" b="1" dirty="0" smtClean="0">
-                <a:solidFill>
-                  <a:schemeClr val="tx1"/>
-                </a:solidFill>
-              </a:rPr>
-              <a:t>DB (Oracle)</a:t>
-            </a:r>
-            <a:endParaRPr lang="en-US" sz="900" b="1" dirty="0">
+              <a:rPr lang="en-US" sz="1000" b="1" dirty="0" smtClean="0">
+                <a:solidFill>
+                  <a:schemeClr val="tx1">
+                    <a:lumMod val="65000"/>
+                    <a:lumOff val="35000"/>
+                  </a:schemeClr>
+                </a:solidFill>
+              </a:rPr>
+              <a:t>Database</a:t>
+            </a:r>
+          </a:p>
+          <a:p>
+            <a:pPr algn="ctr"/>
+            <a:r>
+              <a:rPr lang="en-US" sz="1000" b="1" dirty="0" smtClean="0">
+                <a:solidFill>
+                  <a:schemeClr val="tx1">
+                    <a:lumMod val="65000"/>
+                    <a:lumOff val="35000"/>
+                  </a:schemeClr>
+                </a:solidFill>
+              </a:rPr>
+              <a:t>(</a:t>
+            </a:r>
+            <a:r>
+              <a:rPr lang="en-US" sz="1000" b="1" dirty="0" err="1" smtClean="0">
+                <a:solidFill>
+                  <a:schemeClr val="tx1">
+                    <a:lumMod val="65000"/>
+                    <a:lumOff val="35000"/>
+                  </a:schemeClr>
+                </a:solidFill>
+              </a:rPr>
+              <a:t>Sql</a:t>
+            </a:r>
+            <a:r>
+              <a:rPr lang="en-US" sz="1000" b="1" dirty="0" smtClean="0">
+                <a:solidFill>
+                  <a:schemeClr val="tx1">
+                    <a:lumMod val="65000"/>
+                    <a:lumOff val="35000"/>
+                  </a:schemeClr>
+                </a:solidFill>
+              </a:rPr>
+              <a:t>, Oracle, </a:t>
+            </a:r>
+            <a:r>
+              <a:rPr lang="en-US" sz="1000" b="1" dirty="0" err="1" smtClean="0">
+                <a:solidFill>
+                  <a:schemeClr val="tx1">
+                    <a:lumMod val="65000"/>
+                    <a:lumOff val="35000"/>
+                  </a:schemeClr>
+                </a:solidFill>
+              </a:rPr>
+              <a:t>MySql</a:t>
+            </a:r>
+            <a:r>
+              <a:rPr lang="en-US" sz="1000" b="1" dirty="0" smtClean="0">
+                <a:solidFill>
+                  <a:schemeClr val="tx1">
+                    <a:lumMod val="65000"/>
+                    <a:lumOff val="35000"/>
+                  </a:schemeClr>
+                </a:solidFill>
+              </a:rPr>
+              <a:t>, </a:t>
+            </a:r>
+            <a:r>
+              <a:rPr lang="en-US" sz="1000" b="1" dirty="0" err="1" smtClean="0">
+                <a:solidFill>
+                  <a:schemeClr val="tx1">
+                    <a:lumMod val="65000"/>
+                    <a:lumOff val="35000"/>
+                  </a:schemeClr>
+                </a:solidFill>
+              </a:rPr>
+              <a:t>etc</a:t>
+            </a:r>
+            <a:r>
+              <a:rPr lang="en-US" sz="1000" b="1" dirty="0" smtClean="0">
+                <a:solidFill>
+                  <a:schemeClr val="tx1">
+                    <a:lumMod val="65000"/>
+                    <a:lumOff val="35000"/>
+                  </a:schemeClr>
+                </a:solidFill>
+              </a:rPr>
+              <a:t>)</a:t>
+            </a:r>
+            <a:endParaRPr lang="en-US" sz="1000" b="1" dirty="0">
               <a:solidFill>
-                <a:schemeClr val="tx1"/>
-              </a:solidFill>
-            </a:endParaRPr>
-          </a:p>
-        </p:txBody>
-      </p:sp>
-      <p:sp>
-        <p:nvSpPr>
-          <p:cNvPr id="5" name="Flowchart: Magnetic Disk 4"/>
-          <p:cNvSpPr/>
-          <p:nvPr/>
-        </p:nvSpPr>
-        <p:spPr>
-          <a:xfrm>
-            <a:off x="4583513" y="5601220"/>
-            <a:ext cx="1237550" cy="597593"/>
-          </a:xfrm>
-          <a:prstGeom prst="flowChartMagneticDisk">
-            <a:avLst/>
-          </a:prstGeom>
-          <a:solidFill>
-            <a:schemeClr val="accent1">
-              <a:lumMod val="20000"/>
-              <a:lumOff val="80000"/>
-            </a:schemeClr>
-          </a:solidFill>
-          <a:ln w="9525">
-            <a:solidFill>
-              <a:schemeClr val="bg1">
-                <a:lumMod val="50000"/>
-              </a:schemeClr>
-            </a:solidFill>
-            <a:prstDash val="dash"/>
-          </a:ln>
-          <a:effectLst/>
-        </p:spPr>
-        <p:style>
-          <a:lnRef idx="1">
-            <a:schemeClr val="accent1"/>
-          </a:lnRef>
-          <a:fillRef idx="2">
-            <a:schemeClr val="accent1"/>
-          </a:fillRef>
-          <a:effectRef idx="1">
-            <a:schemeClr val="accent1"/>
-          </a:effectRef>
-          <a:fontRef idx="minor">
-            <a:schemeClr val="dk1"/>
-          </a:fontRef>
-        </p:style>
-        <p:txBody>
-          <a:bodyPr rtlCol="0" anchor="ctr"/>
-          <a:lstStyle/>
-          <a:p>
-            <a:pPr algn="ctr"/>
-            <a:r>
-              <a:rPr lang="en-US" sz="900" b="1" dirty="0" smtClean="0">
-                <a:solidFill>
-                  <a:schemeClr val="tx1"/>
-                </a:solidFill>
-              </a:rPr>
-              <a:t>DB (</a:t>
-            </a:r>
-            <a:r>
-              <a:rPr lang="en-US" sz="900" b="1" dirty="0" err="1" smtClean="0">
-                <a:solidFill>
-                  <a:schemeClr val="tx1"/>
-                </a:solidFill>
-              </a:rPr>
-              <a:t>SqlServer</a:t>
-            </a:r>
-            <a:r>
-              <a:rPr lang="en-US" sz="900" b="1" dirty="0" smtClean="0">
-                <a:solidFill>
-                  <a:schemeClr val="tx1"/>
-                </a:solidFill>
-              </a:rPr>
-              <a:t>)</a:t>
-            </a:r>
-            <a:endParaRPr lang="en-US" sz="900" b="1" dirty="0">
-              <a:solidFill>
-                <a:schemeClr val="tx1"/>
-              </a:solidFill>
-            </a:endParaRPr>
-          </a:p>
-        </p:txBody>
-      </p:sp>
-      <p:sp>
-        <p:nvSpPr>
-          <p:cNvPr id="6" name="Flowchart: Magnetic Disk 5"/>
-          <p:cNvSpPr/>
-          <p:nvPr/>
-        </p:nvSpPr>
-        <p:spPr>
-          <a:xfrm>
-            <a:off x="2814035" y="5601221"/>
-            <a:ext cx="1237550" cy="597593"/>
-          </a:xfrm>
-          <a:prstGeom prst="flowChartMagneticDisk">
-            <a:avLst/>
-          </a:prstGeom>
-          <a:solidFill>
-            <a:schemeClr val="accent1">
-              <a:lumMod val="20000"/>
-              <a:lumOff val="80000"/>
-            </a:schemeClr>
-          </a:solidFill>
-          <a:ln w="9525">
-            <a:solidFill>
-              <a:schemeClr val="bg1">
-                <a:lumMod val="50000"/>
-              </a:schemeClr>
-            </a:solidFill>
-            <a:prstDash val="dash"/>
-          </a:ln>
-          <a:effectLst/>
-        </p:spPr>
-        <p:style>
-          <a:lnRef idx="1">
-            <a:schemeClr val="accent1"/>
-          </a:lnRef>
-          <a:fillRef idx="2">
-            <a:schemeClr val="accent1"/>
-          </a:fillRef>
-          <a:effectRef idx="1">
-            <a:schemeClr val="accent1"/>
-          </a:effectRef>
-          <a:fontRef idx="minor">
-            <a:schemeClr val="dk1"/>
-          </a:fontRef>
-        </p:style>
-        <p:txBody>
-          <a:bodyPr rtlCol="0" anchor="ctr"/>
-          <a:lstStyle/>
-          <a:p>
-            <a:pPr algn="ctr"/>
-            <a:r>
-              <a:rPr lang="en-US" sz="900" b="1" dirty="0" smtClean="0">
-                <a:solidFill>
-                  <a:schemeClr val="tx1"/>
-                </a:solidFill>
-              </a:rPr>
-              <a:t>DB (</a:t>
-            </a:r>
-            <a:r>
-              <a:rPr lang="en-US" sz="900" b="1" dirty="0" err="1" smtClean="0">
-                <a:solidFill>
-                  <a:schemeClr val="tx1"/>
-                </a:solidFill>
-              </a:rPr>
-              <a:t>MySql</a:t>
-            </a:r>
-            <a:r>
-              <a:rPr lang="en-US" sz="900" b="1" dirty="0" smtClean="0">
-                <a:solidFill>
-                  <a:schemeClr val="tx1"/>
-                </a:solidFill>
-              </a:rPr>
-              <a:t>)</a:t>
-            </a:r>
-            <a:endParaRPr lang="en-US" sz="900" b="1" dirty="0">
-              <a:solidFill>
-                <a:schemeClr val="tx1"/>
-              </a:solidFill>
-            </a:endParaRPr>
-          </a:p>
-        </p:txBody>
-      </p:sp>
-      <p:sp>
-        <p:nvSpPr>
-          <p:cNvPr id="7" name="Flowchart: Magnetic Disk 6"/>
-          <p:cNvSpPr/>
-          <p:nvPr/>
-        </p:nvSpPr>
-        <p:spPr>
-          <a:xfrm>
-            <a:off x="8127723" y="5601221"/>
-            <a:ext cx="1251837" cy="597593"/>
-          </a:xfrm>
-          <a:prstGeom prst="flowChartMagneticDisk">
-            <a:avLst/>
-          </a:prstGeom>
-          <a:solidFill>
-            <a:schemeClr val="accent1">
-              <a:lumMod val="20000"/>
-              <a:lumOff val="80000"/>
-            </a:schemeClr>
-          </a:solidFill>
-          <a:ln w="9525">
-            <a:solidFill>
-              <a:schemeClr val="bg1">
-                <a:lumMod val="50000"/>
-              </a:schemeClr>
-            </a:solidFill>
-            <a:prstDash val="dash"/>
-          </a:ln>
-          <a:effectLst/>
-        </p:spPr>
-        <p:style>
-          <a:lnRef idx="1">
-            <a:schemeClr val="accent1"/>
-          </a:lnRef>
-          <a:fillRef idx="2">
-            <a:schemeClr val="accent1"/>
-          </a:fillRef>
-          <a:effectRef idx="1">
-            <a:schemeClr val="accent1"/>
-          </a:effectRef>
-          <a:fontRef idx="minor">
-            <a:schemeClr val="dk1"/>
-          </a:fontRef>
-        </p:style>
-        <p:txBody>
-          <a:bodyPr rtlCol="0" anchor="ctr"/>
-          <a:lstStyle/>
-          <a:p>
-            <a:pPr algn="ctr"/>
-            <a:r>
-              <a:rPr lang="en-US" sz="900" b="1" dirty="0" smtClean="0">
-                <a:solidFill>
-                  <a:schemeClr val="tx1"/>
-                </a:solidFill>
-              </a:rPr>
-              <a:t>DB (</a:t>
-            </a:r>
-            <a:r>
-              <a:rPr lang="en-US" sz="900" b="1" dirty="0" err="1" smtClean="0">
-                <a:solidFill>
-                  <a:schemeClr val="tx1"/>
-                </a:solidFill>
-              </a:rPr>
-              <a:t>PostgreSql</a:t>
-            </a:r>
-            <a:r>
-              <a:rPr lang="en-US" sz="900" b="1" dirty="0" smtClean="0">
-                <a:solidFill>
-                  <a:schemeClr val="tx1"/>
-                </a:solidFill>
-              </a:rPr>
-              <a:t>)</a:t>
-            </a:r>
-            <a:endParaRPr lang="en-US" sz="900" b="1" dirty="0">
-              <a:solidFill>
-                <a:schemeClr val="tx1"/>
+                <a:schemeClr val="tx1">
+                  <a:lumMod val="65000"/>
+                  <a:lumOff val="35000"/>
+                </a:schemeClr>
               </a:solidFill>
             </a:endParaRPr>
           </a:p>
@@ -3288,37 +3135,36 @@
         </p:nvSpPr>
         <p:spPr>
           <a:xfrm>
-            <a:off x="5253835" y="3307126"/>
+            <a:off x="5263360" y="3221399"/>
             <a:ext cx="1685925" cy="484061"/>
           </a:xfrm>
           <a:prstGeom prst="flowChartAlternateProcess">
             <a:avLst/>
           </a:prstGeom>
           <a:solidFill>
-            <a:schemeClr val="accent6">
-              <a:lumMod val="20000"/>
-              <a:lumOff val="80000"/>
+            <a:schemeClr val="bg1">
+              <a:lumMod val="95000"/>
             </a:schemeClr>
           </a:solidFill>
           <a:ln>
             <a:solidFill>
               <a:schemeClr val="bg1">
-                <a:lumMod val="50000"/>
+                <a:lumMod val="85000"/>
               </a:schemeClr>
             </a:solidFill>
-            <a:prstDash val="dash"/>
           </a:ln>
-          <a:effectLst/>
         </p:spPr>
         <p:style>
-          <a:lnRef idx="0">
-            <a:schemeClr val="accent5"/>
+          <a:lnRef idx="2">
+            <a:schemeClr val="accent6">
+              <a:shade val="50000"/>
+            </a:schemeClr>
           </a:lnRef>
-          <a:fillRef idx="3">
-            <a:schemeClr val="accent5"/>
+          <a:fillRef idx="1">
+            <a:schemeClr val="accent6"/>
           </a:fillRef>
-          <a:effectRef idx="3">
-            <a:schemeClr val="accent5"/>
+          <a:effectRef idx="0">
+            <a:schemeClr val="accent6"/>
           </a:effectRef>
           <a:fontRef idx="minor">
             <a:schemeClr val="lt1"/>
@@ -3330,16 +3176,22 @@
           <a:p>
             <a:pPr algn="ctr"/>
             <a:r>
-              <a:rPr lang="en-US" sz="900" b="1" dirty="0" err="1" smtClean="0">
-                <a:solidFill>
-                  <a:schemeClr val="tx1"/>
+              <a:rPr lang="en-US" sz="1050" b="1" dirty="0" err="1" smtClean="0">
+                <a:solidFill>
+                  <a:schemeClr val="tx1">
+                    <a:lumMod val="65000"/>
+                    <a:lumOff val="35000"/>
+                  </a:schemeClr>
                 </a:solidFill>
               </a:rPr>
               <a:t>IDbConnection</a:t>
             </a:r>
-            <a:endParaRPr lang="en-US" sz="900" b="1" dirty="0">
+            <a:endParaRPr lang="en-US" sz="1050" b="1" dirty="0">
               <a:solidFill>
-                <a:schemeClr val="tx1"/>
+                <a:schemeClr val="tx1">
+                  <a:lumMod val="65000"/>
+                  <a:lumOff val="35000"/>
+                </a:schemeClr>
               </a:solidFill>
             </a:endParaRPr>
           </a:p>
@@ -3353,37 +3205,36 @@
         </p:nvSpPr>
         <p:spPr>
           <a:xfrm>
-            <a:off x="5249418" y="2475061"/>
+            <a:off x="5258943" y="2389334"/>
             <a:ext cx="1685925" cy="484061"/>
           </a:xfrm>
           <a:prstGeom prst="flowChartAlternateProcess">
             <a:avLst/>
           </a:prstGeom>
           <a:solidFill>
-            <a:schemeClr val="tx2">
-              <a:lumMod val="20000"/>
-              <a:lumOff val="80000"/>
+            <a:schemeClr val="bg1">
+              <a:lumMod val="95000"/>
             </a:schemeClr>
           </a:solidFill>
           <a:ln>
             <a:solidFill>
               <a:schemeClr val="bg1">
-                <a:lumMod val="50000"/>
+                <a:lumMod val="85000"/>
               </a:schemeClr>
             </a:solidFill>
-            <a:prstDash val="dash"/>
           </a:ln>
-          <a:effectLst/>
         </p:spPr>
         <p:style>
-          <a:lnRef idx="0">
-            <a:schemeClr val="accent5"/>
+          <a:lnRef idx="2">
+            <a:schemeClr val="accent6">
+              <a:shade val="50000"/>
+            </a:schemeClr>
           </a:lnRef>
-          <a:fillRef idx="3">
-            <a:schemeClr val="accent5"/>
+          <a:fillRef idx="1">
+            <a:schemeClr val="accent6"/>
           </a:fillRef>
-          <a:effectRef idx="3">
-            <a:schemeClr val="accent5"/>
+          <a:effectRef idx="0">
+            <a:schemeClr val="accent6"/>
           </a:effectRef>
           <a:fontRef idx="minor">
             <a:schemeClr val="lt1"/>
@@ -3395,48 +3246,66 @@
           <a:p>
             <a:pPr algn="ctr"/>
             <a:r>
-              <a:rPr lang="en-US" sz="900" b="1" dirty="0" err="1" smtClean="0">
-                <a:solidFill>
-                  <a:schemeClr val="tx1"/>
+              <a:rPr lang="en-US" sz="1050" b="1" dirty="0" err="1" smtClean="0">
+                <a:solidFill>
+                  <a:schemeClr val="tx1">
+                    <a:lumMod val="65000"/>
+                    <a:lumOff val="35000"/>
+                  </a:schemeClr>
                 </a:solidFill>
               </a:rPr>
               <a:t>DbRepository</a:t>
             </a:r>
-            <a:endParaRPr lang="en-US" sz="900" b="1" dirty="0">
+            <a:endParaRPr lang="en-US" sz="1050" b="1" dirty="0">
               <a:solidFill>
-                <a:schemeClr val="tx1"/>
+                <a:schemeClr val="tx1">
+                  <a:lumMod val="65000"/>
+                  <a:lumOff val="35000"/>
+                </a:schemeClr>
               </a:solidFill>
             </a:endParaRPr>
           </a:p>
           <a:p>
             <a:pPr algn="ctr"/>
             <a:r>
-              <a:rPr lang="en-US" sz="900" dirty="0" smtClean="0">
-                <a:solidFill>
-                  <a:schemeClr val="tx1"/>
+              <a:rPr lang="en-US" sz="1050" dirty="0" smtClean="0">
+                <a:solidFill>
+                  <a:schemeClr val="tx1">
+                    <a:lumMod val="65000"/>
+                    <a:lumOff val="35000"/>
+                  </a:schemeClr>
                 </a:solidFill>
               </a:rPr>
               <a:t>&lt;</a:t>
             </a:r>
             <a:r>
-              <a:rPr lang="en-US" sz="900" dirty="0" err="1" smtClean="0">
-                <a:solidFill>
-                  <a:schemeClr val="tx1"/>
+              <a:rPr lang="en-US" sz="1050" dirty="0" err="1" smtClean="0">
+                <a:solidFill>
+                  <a:schemeClr val="tx1">
+                    <a:lumMod val="65000"/>
+                    <a:lumOff val="35000"/>
+                  </a:schemeClr>
                 </a:solidFill>
               </a:rPr>
               <a:t>TDbConnection</a:t>
             </a:r>
             <a:r>
-              <a:rPr lang="en-US" sz="900" dirty="0" smtClean="0">
-                <a:solidFill>
-                  <a:schemeClr val="tx1"/>
+              <a:rPr lang="en-US" sz="1050" dirty="0" smtClean="0">
+                <a:solidFill>
+                  <a:schemeClr val="tx1">
+                    <a:lumMod val="65000"/>
+                    <a:lumOff val="35000"/>
+                  </a:schemeClr>
                 </a:solidFill>
               </a:rPr>
               <a:t>&gt;</a:t>
             </a:r>
-            <a:endParaRPr lang="en-US" sz="900" dirty="0">
+            <a:endParaRPr lang="en-US" sz="1050" dirty="0">
               <a:solidFill>
-                <a:schemeClr val="tx1"/>
+                <a:schemeClr val="tx1">
+                  <a:lumMod val="65000"/>
+                  <a:lumOff val="35000"/>
+                </a:schemeClr>
               </a:solidFill>
             </a:endParaRPr>
           </a:p>
@@ -3450,144 +3319,35 @@
         </p:nvSpPr>
         <p:spPr>
           <a:xfrm>
-            <a:off x="5249735" y="1700894"/>
+            <a:off x="5259260" y="1615167"/>
             <a:ext cx="1685925" cy="484061"/>
           </a:xfrm>
           <a:prstGeom prst="flowChartAlternateProcess">
             <a:avLst/>
           </a:prstGeom>
           <a:solidFill>
-            <a:schemeClr val="tx2">
-              <a:lumMod val="20000"/>
-              <a:lumOff val="80000"/>
+            <a:schemeClr val="bg1">
+              <a:lumMod val="95000"/>
             </a:schemeClr>
           </a:solidFill>
           <a:ln>
             <a:solidFill>
               <a:schemeClr val="bg1">
-                <a:lumMod val="50000"/>
+                <a:lumMod val="85000"/>
               </a:schemeClr>
             </a:solidFill>
-            <a:prstDash val="dash"/>
           </a:ln>
-          <a:effectLst/>
         </p:spPr>
         <p:style>
-          <a:lnRef idx="0">
-            <a:schemeClr val="accent5"/>
+          <a:lnRef idx="2">
+            <a:schemeClr val="accent6">
+              <a:shade val="50000"/>
+            </a:schemeClr>
           </a:lnRef>
-          <a:fillRef idx="3">
-            <a:schemeClr val="accent5"/>
-          </a:fillRef>
-          <a:effectRef idx="3">
-            <a:schemeClr val="accent5"/>
-          </a:effectRef>
-          <a:fontRef idx="minor">
-            <a:schemeClr val="lt1"/>
-          </a:fontRef>
-        </p:style>
-        <p:txBody>
-          <a:bodyPr rtlCol="0" anchor="ctr"/>
-          <a:lstStyle/>
-          <a:p>
-            <a:pPr algn="ctr"/>
-            <a:r>
-              <a:rPr lang="en-US" sz="900" b="1" dirty="0" err="1" smtClean="0">
-                <a:solidFill>
-                  <a:schemeClr val="tx1"/>
-                </a:solidFill>
-              </a:rPr>
-              <a:t>BaseRepository</a:t>
-            </a:r>
-            <a:endParaRPr lang="en-US" sz="900" b="1" dirty="0">
-              <a:solidFill>
-                <a:schemeClr val="tx1"/>
-              </a:solidFill>
-            </a:endParaRPr>
-          </a:p>
-          <a:p>
-            <a:pPr algn="ctr"/>
-            <a:r>
-              <a:rPr lang="en-US" sz="900" dirty="0" smtClean="0">
-                <a:solidFill>
-                  <a:schemeClr val="tx1"/>
-                </a:solidFill>
-              </a:rPr>
-              <a:t>&lt;</a:t>
-            </a:r>
-            <a:r>
-              <a:rPr lang="en-US" sz="900" dirty="0" err="1" smtClean="0">
-                <a:solidFill>
-                  <a:schemeClr val="tx1"/>
-                </a:solidFill>
-              </a:rPr>
-              <a:t>TEntity</a:t>
-            </a:r>
-            <a:r>
-              <a:rPr lang="en-US" sz="900" dirty="0" smtClean="0">
-                <a:solidFill>
-                  <a:schemeClr val="tx1"/>
-                </a:solidFill>
-              </a:rPr>
-              <a:t>, </a:t>
-            </a:r>
-            <a:r>
-              <a:rPr lang="en-US" sz="900" dirty="0" err="1" smtClean="0">
-                <a:solidFill>
-                  <a:schemeClr val="tx1"/>
-                </a:solidFill>
-              </a:rPr>
-              <a:t>TDbConnection</a:t>
-            </a:r>
-            <a:r>
-              <a:rPr lang="en-US" sz="900" dirty="0" smtClean="0">
-                <a:solidFill>
-                  <a:schemeClr val="tx1"/>
-                </a:solidFill>
-              </a:rPr>
-              <a:t>&gt;</a:t>
-            </a:r>
-            <a:endParaRPr lang="en-US" sz="900" dirty="0">
-              <a:solidFill>
-                <a:schemeClr val="tx1"/>
-              </a:solidFill>
-            </a:endParaRPr>
-          </a:p>
-        </p:txBody>
-      </p:sp>
-      <p:sp>
-        <p:nvSpPr>
-          <p:cNvPr id="11" name="Flowchart: Alternate Process 10"/>
-          <p:cNvSpPr/>
-          <p:nvPr/>
-        </p:nvSpPr>
-        <p:spPr>
-          <a:xfrm>
-            <a:off x="7693635" y="859811"/>
-            <a:ext cx="1685925" cy="484061"/>
-          </a:xfrm>
-          <a:prstGeom prst="flowChartAlternateProcess">
-            <a:avLst/>
-          </a:prstGeom>
-          <a:noFill/>
-          <a:ln>
-            <a:solidFill>
-              <a:schemeClr val="bg1">
-                <a:lumMod val="50000"/>
-              </a:schemeClr>
-            </a:solidFill>
-            <a:prstDash val="dash"/>
-          </a:ln>
-          <a:effectLst/>
-        </p:spPr>
-        <p:style>
-          <a:lnRef idx="0">
-            <a:schemeClr val="accent6"/>
-          </a:lnRef>
-          <a:fillRef idx="3">
+          <a:fillRef idx="1">
             <a:schemeClr val="accent6"/>
           </a:fillRef>
-          <a:effectRef idx="3">
+          <a:effectRef idx="0">
             <a:schemeClr val="accent6"/>
           </a:effectRef>
           <a:fontRef idx="minor">
@@ -3600,80 +3360,88 @@
           <a:p>
             <a:pPr algn="ctr"/>
             <a:r>
-              <a:rPr lang="en-US" sz="900" b="1" dirty="0" err="1" smtClean="0">
-                <a:solidFill>
-                  <a:schemeClr val="tx1"/>
-                </a:solidFill>
-              </a:rPr>
-              <a:t>ITrace</a:t>
-            </a:r>
-            <a:endParaRPr lang="en-US" sz="900" b="1" dirty="0">
+              <a:rPr lang="en-US" sz="1050" b="1" dirty="0" err="1" smtClean="0">
+                <a:solidFill>
+                  <a:schemeClr val="tx1">
+                    <a:lumMod val="65000"/>
+                    <a:lumOff val="35000"/>
+                  </a:schemeClr>
+                </a:solidFill>
+              </a:rPr>
+              <a:t>BaseRepository</a:t>
+            </a:r>
+            <a:endParaRPr lang="en-US" sz="1050" b="1" dirty="0">
               <a:solidFill>
-                <a:schemeClr val="tx1"/>
+                <a:schemeClr val="tx1">
+                  <a:lumMod val="65000"/>
+                  <a:lumOff val="35000"/>
+                </a:schemeClr>
               </a:solidFill>
             </a:endParaRPr>
           </a:p>
           <a:p>
             <a:pPr algn="ctr"/>
             <a:r>
-              <a:rPr lang="en-US" sz="900" dirty="0" smtClean="0">
-                <a:solidFill>
-                  <a:schemeClr val="tx1"/>
-                </a:solidFill>
-              </a:rPr>
-              <a:t>(</a:t>
-            </a:r>
-            <a:r>
-              <a:rPr lang="en-US" sz="900" dirty="0" err="1" smtClean="0">
-                <a:solidFill>
-                  <a:schemeClr val="tx1"/>
-                </a:solidFill>
-              </a:rPr>
-              <a:t>BeforeInsert</a:t>
-            </a:r>
-            <a:r>
-              <a:rPr lang="en-US" sz="900" dirty="0" smtClean="0">
-                <a:solidFill>
-                  <a:schemeClr val="tx1"/>
+              <a:rPr lang="en-US" sz="1050" dirty="0" smtClean="0">
+                <a:solidFill>
+                  <a:schemeClr val="tx1">
+                    <a:lumMod val="65000"/>
+                    <a:lumOff val="35000"/>
+                  </a:schemeClr>
+                </a:solidFill>
+              </a:rPr>
+              <a:t>&lt;</a:t>
+            </a:r>
+            <a:r>
+              <a:rPr lang="en-US" sz="1050" dirty="0" err="1" smtClean="0">
+                <a:solidFill>
+                  <a:schemeClr val="tx1">
+                    <a:lumMod val="65000"/>
+                    <a:lumOff val="35000"/>
+                  </a:schemeClr>
+                </a:solidFill>
+              </a:rPr>
+              <a:t>TEntity</a:t>
+            </a:r>
+            <a:r>
+              <a:rPr lang="en-US" sz="1050" dirty="0" smtClean="0">
+                <a:solidFill>
+                  <a:schemeClr val="tx1">
+                    <a:lumMod val="65000"/>
+                    <a:lumOff val="35000"/>
+                  </a:schemeClr>
                 </a:solidFill>
               </a:rPr>
               <a:t>, </a:t>
             </a:r>
             <a:r>
-              <a:rPr lang="en-US" sz="900" dirty="0" err="1" smtClean="0">
-                <a:solidFill>
-                  <a:schemeClr val="tx1"/>
-                </a:solidFill>
-              </a:rPr>
-              <a:t>AfterInsert</a:t>
-            </a:r>
-            <a:r>
-              <a:rPr lang="en-US" sz="900" dirty="0" smtClean="0">
-                <a:solidFill>
-                  <a:schemeClr val="tx1"/>
-                </a:solidFill>
-              </a:rPr>
-              <a:t>, </a:t>
-            </a:r>
-            <a:r>
-              <a:rPr lang="en-US" sz="900" dirty="0" err="1" smtClean="0">
-                <a:solidFill>
-                  <a:schemeClr val="tx1"/>
-                </a:solidFill>
-              </a:rPr>
-              <a:t>etc</a:t>
-            </a:r>
-            <a:r>
-              <a:rPr lang="en-US" sz="900" dirty="0" smtClean="0">
-                <a:solidFill>
-                  <a:schemeClr val="tx1"/>
-                </a:solidFill>
-              </a:rPr>
-              <a:t>)</a:t>
-            </a:r>
-            <a:endParaRPr lang="en-US" sz="900" dirty="0">
+              <a:rPr lang="en-US" sz="1050" dirty="0" err="1" smtClean="0">
+                <a:solidFill>
+                  <a:schemeClr val="tx1">
+                    <a:lumMod val="65000"/>
+                    <a:lumOff val="35000"/>
+                  </a:schemeClr>
+                </a:solidFill>
+              </a:rPr>
+              <a:t>TDbConnection</a:t>
+            </a:r>
+            <a:r>
+              <a:rPr lang="en-US" sz="1050" dirty="0" smtClean="0">
+                <a:solidFill>
+                  <a:schemeClr val="tx1">
+                    <a:lumMod val="65000"/>
+                    <a:lumOff val="35000"/>
+                  </a:schemeClr>
+                </a:solidFill>
+              </a:rPr>
+              <a:t>&gt;</a:t>
+            </a:r>
+            <a:endParaRPr lang="en-US" sz="1050" dirty="0">
               <a:solidFill>
-                <a:schemeClr val="tx1"/>
+                <a:schemeClr val="tx1">
+                  <a:lumMod val="65000"/>
+                  <a:lumOff val="35000"/>
+                </a:schemeClr>
               </a:solidFill>
             </a:endParaRPr>
           </a:p>
@@ -3681,37 +3449,349 @@
       </p:sp>
       <p:sp>
         <p:nvSpPr>
-          <p:cNvPr id="12" name="Flowchart: Alternate Process 11"/>
+          <p:cNvPr id="11" name="Flowchart: Alternate Process 10"/>
           <p:cNvSpPr/>
           <p:nvPr/>
         </p:nvSpPr>
         <p:spPr>
           <a:xfrm>
-            <a:off x="7299048" y="3310859"/>
+            <a:off x="7703160" y="774084"/>
             <a:ext cx="1685925" cy="484061"/>
           </a:xfrm>
           <a:prstGeom prst="flowChartAlternateProcess">
             <a:avLst/>
           </a:prstGeom>
-          <a:noFill/>
+          <a:solidFill>
+            <a:schemeClr val="bg1">
+              <a:lumMod val="95000"/>
+            </a:schemeClr>
+          </a:solidFill>
           <a:ln>
             <a:solidFill>
               <a:schemeClr val="bg1">
-                <a:lumMod val="50000"/>
+                <a:lumMod val="85000"/>
               </a:schemeClr>
             </a:solidFill>
-            <a:prstDash val="dash"/>
           </a:ln>
-          <a:effectLst/>
         </p:spPr>
         <p:style>
-          <a:lnRef idx="0">
-            <a:schemeClr val="accent3"/>
+          <a:lnRef idx="2">
+            <a:schemeClr val="accent2">
+              <a:shade val="50000"/>
+            </a:schemeClr>
           </a:lnRef>
-          <a:fillRef idx="3">
+          <a:fillRef idx="1">
+            <a:schemeClr val="accent2"/>
+          </a:fillRef>
+          <a:effectRef idx="0">
+            <a:schemeClr val="accent2"/>
+          </a:effectRef>
+          <a:fontRef idx="minor">
+            <a:schemeClr val="lt1"/>
+          </a:fontRef>
+        </p:style>
+        <p:txBody>
+          <a:bodyPr rtlCol="0" anchor="ctr"/>
+          <a:lstStyle/>
+          <a:p>
+            <a:pPr algn="ctr"/>
+            <a:r>
+              <a:rPr lang="en-US" sz="900" b="1" dirty="0" err="1" smtClean="0">
+                <a:solidFill>
+                  <a:schemeClr val="tx1">
+                    <a:lumMod val="65000"/>
+                    <a:lumOff val="35000"/>
+                  </a:schemeClr>
+                </a:solidFill>
+              </a:rPr>
+              <a:t>ITrace</a:t>
+            </a:r>
+            <a:endParaRPr lang="en-US" sz="900" b="1" dirty="0">
+              <a:solidFill>
+                <a:schemeClr val="tx1">
+                  <a:lumMod val="65000"/>
+                  <a:lumOff val="35000"/>
+                </a:schemeClr>
+              </a:solidFill>
+            </a:endParaRPr>
+          </a:p>
+          <a:p>
+            <a:pPr algn="ctr"/>
+            <a:r>
+              <a:rPr lang="en-US" sz="900" dirty="0" smtClean="0">
+                <a:solidFill>
+                  <a:schemeClr val="tx1">
+                    <a:lumMod val="65000"/>
+                    <a:lumOff val="35000"/>
+                  </a:schemeClr>
+                </a:solidFill>
+              </a:rPr>
+              <a:t>(</a:t>
+            </a:r>
+            <a:r>
+              <a:rPr lang="en-US" sz="900" dirty="0" err="1" smtClean="0">
+                <a:solidFill>
+                  <a:schemeClr val="tx1">
+                    <a:lumMod val="65000"/>
+                    <a:lumOff val="35000"/>
+                  </a:schemeClr>
+                </a:solidFill>
+              </a:rPr>
+              <a:t>BeforeInsert</a:t>
+            </a:r>
+            <a:r>
+              <a:rPr lang="en-US" sz="900" dirty="0" smtClean="0">
+                <a:solidFill>
+                  <a:schemeClr val="tx1">
+                    <a:lumMod val="65000"/>
+                    <a:lumOff val="35000"/>
+                  </a:schemeClr>
+                </a:solidFill>
+              </a:rPr>
+              <a:t>, </a:t>
+            </a:r>
+            <a:r>
+              <a:rPr lang="en-US" sz="900" dirty="0" err="1" smtClean="0">
+                <a:solidFill>
+                  <a:schemeClr val="tx1">
+                    <a:lumMod val="65000"/>
+                    <a:lumOff val="35000"/>
+                  </a:schemeClr>
+                </a:solidFill>
+              </a:rPr>
+              <a:t>AfterInsert</a:t>
+            </a:r>
+            <a:r>
+              <a:rPr lang="en-US" sz="900" dirty="0" smtClean="0">
+                <a:solidFill>
+                  <a:schemeClr val="tx1">
+                    <a:lumMod val="65000"/>
+                    <a:lumOff val="35000"/>
+                  </a:schemeClr>
+                </a:solidFill>
+              </a:rPr>
+              <a:t>, </a:t>
+            </a:r>
+            <a:r>
+              <a:rPr lang="en-US" sz="900" dirty="0" err="1" smtClean="0">
+                <a:solidFill>
+                  <a:schemeClr val="tx1">
+                    <a:lumMod val="65000"/>
+                    <a:lumOff val="35000"/>
+                  </a:schemeClr>
+                </a:solidFill>
+              </a:rPr>
+              <a:t>etc</a:t>
+            </a:r>
+            <a:r>
+              <a:rPr lang="en-US" sz="900" dirty="0" smtClean="0">
+                <a:solidFill>
+                  <a:schemeClr val="tx1">
+                    <a:lumMod val="65000"/>
+                    <a:lumOff val="35000"/>
+                  </a:schemeClr>
+                </a:solidFill>
+              </a:rPr>
+              <a:t>)</a:t>
+            </a:r>
+            <a:endParaRPr lang="en-US" sz="900" dirty="0">
+              <a:solidFill>
+                <a:schemeClr val="tx1">
+                  <a:lumMod val="65000"/>
+                  <a:lumOff val="35000"/>
+                </a:schemeClr>
+              </a:solidFill>
+            </a:endParaRPr>
+          </a:p>
+        </p:txBody>
+      </p:sp>
+      <p:sp>
+        <p:nvSpPr>
+          <p:cNvPr id="12" name="Flowchart: Alternate Process 11"/>
+          <p:cNvSpPr/>
+          <p:nvPr/>
+        </p:nvSpPr>
+        <p:spPr>
+          <a:xfrm>
+            <a:off x="7308573" y="3225132"/>
+            <a:ext cx="1685925" cy="484061"/>
+          </a:xfrm>
+          <a:prstGeom prst="flowChartAlternateProcess">
+            <a:avLst/>
+          </a:prstGeom>
+          <a:solidFill>
+            <a:schemeClr val="bg1">
+              <a:lumMod val="95000"/>
+            </a:schemeClr>
+          </a:solidFill>
+          <a:ln>
+            <a:solidFill>
+              <a:schemeClr val="bg1">
+                <a:lumMod val="85000"/>
+              </a:schemeClr>
+            </a:solidFill>
+          </a:ln>
+        </p:spPr>
+        <p:style>
+          <a:lnRef idx="2">
+            <a:schemeClr val="accent2">
+              <a:shade val="50000"/>
+            </a:schemeClr>
+          </a:lnRef>
+          <a:fillRef idx="1">
+            <a:schemeClr val="accent2"/>
+          </a:fillRef>
+          <a:effectRef idx="0">
+            <a:schemeClr val="accent2"/>
+          </a:effectRef>
+          <a:fontRef idx="minor">
+            <a:schemeClr val="lt1"/>
+          </a:fontRef>
+        </p:style>
+        <p:txBody>
+          <a:bodyPr rtlCol="0" anchor="ctr"/>
+          <a:lstStyle/>
+          <a:p>
+            <a:pPr algn="ctr"/>
+            <a:r>
+              <a:rPr lang="en-US" sz="900" b="1" dirty="0" err="1" smtClean="0">
+                <a:solidFill>
+                  <a:schemeClr val="tx1">
+                    <a:lumMod val="65000"/>
+                    <a:lumOff val="35000"/>
+                  </a:schemeClr>
+                </a:solidFill>
+              </a:rPr>
+              <a:t>IDbOperationProvider</a:t>
+            </a:r>
+            <a:endParaRPr lang="en-US" sz="900" b="1" dirty="0" smtClean="0">
+              <a:solidFill>
+                <a:schemeClr val="tx1">
+                  <a:lumMod val="65000"/>
+                  <a:lumOff val="35000"/>
+                </a:schemeClr>
+              </a:solidFill>
+            </a:endParaRPr>
+          </a:p>
+          <a:p>
+            <a:pPr algn="ctr"/>
+            <a:r>
+              <a:rPr lang="en-US" sz="900" dirty="0" smtClean="0">
+                <a:solidFill>
+                  <a:schemeClr val="tx1">
+                    <a:lumMod val="65000"/>
+                    <a:lumOff val="35000"/>
+                  </a:schemeClr>
+                </a:solidFill>
+              </a:rPr>
+              <a:t>(</a:t>
+            </a:r>
+            <a:r>
+              <a:rPr lang="en-US" sz="900" dirty="0" err="1" smtClean="0">
+                <a:solidFill>
+                  <a:schemeClr val="tx1">
+                    <a:lumMod val="65000"/>
+                    <a:lumOff val="35000"/>
+                  </a:schemeClr>
+                </a:solidFill>
+              </a:rPr>
+              <a:t>Sql</a:t>
+            </a:r>
+            <a:r>
+              <a:rPr lang="en-US" sz="900" dirty="0" smtClean="0">
+                <a:solidFill>
+                  <a:schemeClr val="tx1">
+                    <a:lumMod val="65000"/>
+                    <a:lumOff val="35000"/>
+                  </a:schemeClr>
+                </a:solidFill>
+              </a:rPr>
+              <a:t>, Oracle, </a:t>
+            </a:r>
+            <a:r>
+              <a:rPr lang="en-US" sz="900" dirty="0" err="1" smtClean="0">
+                <a:solidFill>
+                  <a:schemeClr val="tx1">
+                    <a:lumMod val="65000"/>
+                    <a:lumOff val="35000"/>
+                  </a:schemeClr>
+                </a:solidFill>
+              </a:rPr>
+              <a:t>MySql</a:t>
+            </a:r>
+            <a:r>
+              <a:rPr lang="en-US" sz="900" dirty="0" smtClean="0">
+                <a:solidFill>
+                  <a:schemeClr val="tx1">
+                    <a:lumMod val="65000"/>
+                    <a:lumOff val="35000"/>
+                  </a:schemeClr>
+                </a:solidFill>
+              </a:rPr>
+              <a:t>, </a:t>
+            </a:r>
+            <a:r>
+              <a:rPr lang="en-US" sz="900" dirty="0" err="1" smtClean="0">
+                <a:solidFill>
+                  <a:schemeClr val="tx1">
+                    <a:lumMod val="65000"/>
+                    <a:lumOff val="35000"/>
+                  </a:schemeClr>
+                </a:solidFill>
+              </a:rPr>
+              <a:t>PostgreSql</a:t>
+            </a:r>
+            <a:r>
+              <a:rPr lang="en-US" sz="900" dirty="0" smtClean="0">
+                <a:solidFill>
+                  <a:schemeClr val="tx1">
+                    <a:lumMod val="65000"/>
+                    <a:lumOff val="35000"/>
+                  </a:schemeClr>
+                </a:solidFill>
+              </a:rPr>
+              <a:t>)</a:t>
+            </a:r>
+          </a:p>
+        </p:txBody>
+      </p:sp>
+      <p:sp>
+        <p:nvSpPr>
+          <p:cNvPr id="13" name="Flowchart: Alternate Process 12"/>
+          <p:cNvSpPr/>
+          <p:nvPr/>
+        </p:nvSpPr>
+        <p:spPr>
+          <a:xfrm>
+            <a:off x="4144663" y="4071788"/>
+            <a:ext cx="1685925" cy="733424"/>
+          </a:xfrm>
+          <a:prstGeom prst="flowChartAlternateProcess">
+            <a:avLst/>
+          </a:prstGeom>
+          <a:solidFill>
+            <a:schemeClr val="bg1">
+              <a:lumMod val="95000"/>
+            </a:schemeClr>
+          </a:solidFill>
+          <a:ln>
+            <a:solidFill>
+              <a:schemeClr val="bg1">
+                <a:lumMod val="85000"/>
+              </a:schemeClr>
+            </a:solidFill>
+          </a:ln>
+        </p:spPr>
+        <p:style>
+          <a:lnRef idx="2">
+            <a:schemeClr val="accent3">
+              <a:shade val="50000"/>
+            </a:schemeClr>
+          </a:lnRef>
+          <a:fillRef idx="1">
             <a:schemeClr val="accent3"/>
           </a:fillRef>
-          <a:effectRef idx="3">
+          <a:effectRef idx="0">
             <a:schemeClr val="accent3"/>
           </a:effectRef>
           <a:fontRef idx="minor">
@@ -3724,113 +3804,323 @@
           <a:p>
             <a:pPr algn="ctr"/>
             <a:r>
-              <a:rPr lang="en-US" sz="900" b="1" dirty="0" err="1" smtClean="0">
-                <a:solidFill>
-                  <a:schemeClr val="tx1"/>
-                </a:solidFill>
-              </a:rPr>
-              <a:t>IDbOperationProvider</a:t>
-            </a:r>
-            <a:endParaRPr lang="en-US" sz="900" b="1" dirty="0" smtClean="0">
+              <a:rPr lang="en-US" sz="900" dirty="0" err="1" smtClean="0">
+                <a:solidFill>
+                  <a:schemeClr val="tx1">
+                    <a:lumMod val="65000"/>
+                    <a:lumOff val="35000"/>
+                  </a:schemeClr>
+                </a:solidFill>
+              </a:rPr>
+              <a:t>ObjectCache</a:t>
+            </a:r>
+            <a:r>
+              <a:rPr lang="en-US" sz="900" dirty="0" smtClean="0">
+                <a:solidFill>
+                  <a:schemeClr val="tx1">
+                    <a:lumMod val="65000"/>
+                    <a:lumOff val="35000"/>
+                  </a:schemeClr>
+                </a:solidFill>
+              </a:rPr>
+              <a:t>(s)</a:t>
+            </a:r>
+          </a:p>
+          <a:p>
+            <a:pPr algn="ctr"/>
+            <a:r>
+              <a:rPr lang="en-US" sz="900" dirty="0" smtClean="0">
+                <a:solidFill>
+                  <a:schemeClr val="tx1">
+                    <a:lumMod val="65000"/>
+                    <a:lumOff val="35000"/>
+                  </a:schemeClr>
+                </a:solidFill>
+              </a:rPr>
+              <a:t>(</a:t>
+            </a:r>
+            <a:r>
+              <a:rPr lang="en-US" sz="900" dirty="0" err="1" smtClean="0">
+                <a:solidFill>
+                  <a:schemeClr val="tx1">
+                    <a:lumMod val="65000"/>
+                    <a:lumOff val="35000"/>
+                  </a:schemeClr>
+                </a:solidFill>
+              </a:rPr>
+              <a:t>CommandText</a:t>
+            </a:r>
+            <a:r>
+              <a:rPr lang="en-US" sz="900" dirty="0" smtClean="0">
+                <a:solidFill>
+                  <a:schemeClr val="tx1">
+                    <a:lumMod val="65000"/>
+                    <a:lumOff val="35000"/>
+                  </a:schemeClr>
+                </a:solidFill>
+              </a:rPr>
+              <a:t>, Columns, </a:t>
+            </a:r>
+            <a:r>
+              <a:rPr lang="en-US" sz="900" dirty="0" err="1" smtClean="0">
+                <a:solidFill>
+                  <a:schemeClr val="tx1">
+                    <a:lumMod val="65000"/>
+                    <a:lumOff val="35000"/>
+                  </a:schemeClr>
+                </a:solidFill>
+              </a:rPr>
+              <a:t>ExecutionContext</a:t>
+            </a:r>
+            <a:r>
+              <a:rPr lang="en-US" sz="900" dirty="0" smtClean="0">
+                <a:solidFill>
+                  <a:schemeClr val="tx1">
+                    <a:lumMod val="65000"/>
+                    <a:lumOff val="35000"/>
+                  </a:schemeClr>
+                </a:solidFill>
+              </a:rPr>
+              <a:t>, Property, Mappings, </a:t>
+            </a:r>
+            <a:r>
+              <a:rPr lang="en-US" sz="900" dirty="0" err="1" smtClean="0">
+                <a:solidFill>
+                  <a:schemeClr val="tx1">
+                    <a:lumMod val="65000"/>
+                    <a:lumOff val="35000"/>
+                  </a:schemeClr>
+                </a:solidFill>
+              </a:rPr>
+              <a:t>etc</a:t>
+            </a:r>
+            <a:r>
+              <a:rPr lang="en-US" sz="900" dirty="0" smtClean="0">
+                <a:solidFill>
+                  <a:schemeClr val="tx1">
+                    <a:lumMod val="65000"/>
+                    <a:lumOff val="35000"/>
+                  </a:schemeClr>
+                </a:solidFill>
+              </a:rPr>
+              <a:t>)</a:t>
+            </a:r>
+            <a:endParaRPr lang="en-US" sz="900" dirty="0">
               <a:solidFill>
-                <a:schemeClr val="tx1"/>
+                <a:schemeClr val="tx1">
+                  <a:lumMod val="65000"/>
+                  <a:lumOff val="35000"/>
+                </a:schemeClr>
               </a:solidFill>
             </a:endParaRPr>
           </a:p>
-          <a:p>
-            <a:pPr algn="ctr"/>
-            <a:r>
-              <a:rPr lang="en-US" sz="900" dirty="0" smtClean="0">
-                <a:solidFill>
-                  <a:schemeClr val="tx1"/>
-                </a:solidFill>
-              </a:rPr>
-              <a:t>(</a:t>
-            </a:r>
-            <a:r>
-              <a:rPr lang="en-US" sz="900" dirty="0" err="1" smtClean="0">
-                <a:solidFill>
-                  <a:schemeClr val="tx1"/>
-                </a:solidFill>
-              </a:rPr>
-              <a:t>Sql</a:t>
-            </a:r>
-            <a:r>
-              <a:rPr lang="en-US" sz="900" dirty="0" smtClean="0">
-                <a:solidFill>
-                  <a:schemeClr val="tx1"/>
-                </a:solidFill>
-              </a:rPr>
-              <a:t>, Oracle, </a:t>
-            </a:r>
-            <a:r>
-              <a:rPr lang="en-US" sz="900" dirty="0" err="1" smtClean="0">
-                <a:solidFill>
-                  <a:schemeClr val="tx1"/>
-                </a:solidFill>
-              </a:rPr>
-              <a:t>MySql</a:t>
-            </a:r>
-            <a:r>
-              <a:rPr lang="en-US" sz="900" dirty="0" smtClean="0">
-                <a:solidFill>
-                  <a:schemeClr val="tx1"/>
-                </a:solidFill>
-              </a:rPr>
-              <a:t>, </a:t>
-            </a:r>
-            <a:r>
-              <a:rPr lang="en-US" sz="900" dirty="0" err="1" smtClean="0">
-                <a:solidFill>
-                  <a:schemeClr val="tx1"/>
-                </a:solidFill>
-              </a:rPr>
-              <a:t>PostgreSql</a:t>
-            </a:r>
-            <a:r>
-              <a:rPr lang="en-US" sz="900" dirty="0" smtClean="0">
-                <a:solidFill>
-                  <a:schemeClr val="tx1"/>
-                </a:solidFill>
-              </a:rPr>
-              <a:t>)</a:t>
-            </a:r>
-          </a:p>
-        </p:txBody>
-      </p:sp>
-      <p:sp>
-        <p:nvSpPr>
-          <p:cNvPr id="13" name="Flowchart: Alternate Process 12"/>
+        </p:txBody>
+      </p:sp>
+      <p:sp>
+        <p:nvSpPr>
+          <p:cNvPr id="14" name="Flowchart: Alternate Process 13"/>
           <p:cNvSpPr/>
           <p:nvPr/>
         </p:nvSpPr>
         <p:spPr>
           <a:xfrm>
-            <a:off x="4135138" y="4157515"/>
-            <a:ext cx="1685925" cy="733424"/>
+            <a:off x="1487602" y="3221400"/>
+            <a:ext cx="1366842" cy="484061"/>
           </a:xfrm>
           <a:prstGeom prst="flowChartAlternateProcess">
             <a:avLst/>
           </a:prstGeom>
-          <a:noFill/>
+          <a:solidFill>
+            <a:schemeClr val="bg1">
+              <a:lumMod val="95000"/>
+            </a:schemeClr>
+          </a:solidFill>
           <a:ln>
             <a:solidFill>
               <a:schemeClr val="bg1">
-                <a:lumMod val="50000"/>
+                <a:lumMod val="85000"/>
               </a:schemeClr>
             </a:solidFill>
-            <a:prstDash val="dash"/>
           </a:ln>
-          <a:effectLst/>
         </p:spPr>
         <p:style>
-          <a:lnRef idx="0">
-            <a:schemeClr val="accent2"/>
+          <a:lnRef idx="2">
+            <a:schemeClr val="accent3">
+              <a:shade val="50000"/>
+            </a:schemeClr>
           </a:lnRef>
-          <a:fillRef idx="3">
+          <a:fillRef idx="1">
+            <a:schemeClr val="accent3"/>
+          </a:fillRef>
+          <a:effectRef idx="0">
+            <a:schemeClr val="accent3"/>
+          </a:effectRef>
+          <a:fontRef idx="minor">
+            <a:schemeClr val="lt1"/>
+          </a:fontRef>
+        </p:style>
+        <p:txBody>
+          <a:bodyPr rtlCol="0" anchor="ctr"/>
+          <a:lstStyle/>
+          <a:p>
+            <a:pPr algn="ctr"/>
+            <a:r>
+              <a:rPr lang="en-US" sz="900" dirty="0" smtClean="0">
+                <a:solidFill>
+                  <a:schemeClr val="tx1">
+                    <a:lumMod val="65000"/>
+                    <a:lumOff val="35000"/>
+                  </a:schemeClr>
+                </a:solidFill>
+              </a:rPr>
+              <a:t>Helper Methods:</a:t>
+            </a:r>
+          </a:p>
+          <a:p>
+            <a:pPr algn="ctr"/>
+            <a:r>
+              <a:rPr lang="en-US" sz="900" dirty="0" err="1" smtClean="0">
+                <a:solidFill>
+                  <a:schemeClr val="tx1">
+                    <a:lumMod val="65000"/>
+                    <a:lumOff val="35000"/>
+                  </a:schemeClr>
+                </a:solidFill>
+              </a:rPr>
+              <a:t>GetFields</a:t>
+            </a:r>
+            <a:endParaRPr lang="en-US" sz="900" dirty="0">
+              <a:solidFill>
+                <a:schemeClr val="tx1">
+                  <a:lumMod val="65000"/>
+                  <a:lumOff val="35000"/>
+                </a:schemeClr>
+              </a:solidFill>
+            </a:endParaRPr>
+          </a:p>
+        </p:txBody>
+      </p:sp>
+      <p:sp>
+        <p:nvSpPr>
+          <p:cNvPr id="18" name="Flowchart: Alternate Process 17"/>
+          <p:cNvSpPr/>
+          <p:nvPr/>
+        </p:nvSpPr>
+        <p:spPr>
+          <a:xfrm>
+            <a:off x="9353786" y="3225731"/>
+            <a:ext cx="1518049" cy="484061"/>
+          </a:xfrm>
+          <a:prstGeom prst="flowChartAlternateProcess">
+            <a:avLst/>
+          </a:prstGeom>
+          <a:solidFill>
+            <a:schemeClr val="bg1">
+              <a:lumMod val="95000"/>
+            </a:schemeClr>
+          </a:solidFill>
+          <a:ln>
+            <a:solidFill>
+              <a:schemeClr val="bg1">
+                <a:lumMod val="85000"/>
+              </a:schemeClr>
+            </a:solidFill>
+          </a:ln>
+        </p:spPr>
+        <p:style>
+          <a:lnRef idx="2">
+            <a:schemeClr val="accent3">
+              <a:shade val="50000"/>
+            </a:schemeClr>
+          </a:lnRef>
+          <a:fillRef idx="1">
+            <a:schemeClr val="accent3"/>
+          </a:fillRef>
+          <a:effectRef idx="0">
+            <a:schemeClr val="accent3"/>
+          </a:effectRef>
+          <a:fontRef idx="minor">
+            <a:schemeClr val="lt1"/>
+          </a:fontRef>
+        </p:style>
+        <p:txBody>
+          <a:bodyPr rtlCol="0" anchor="ctr"/>
+          <a:lstStyle/>
+          <a:p>
+            <a:pPr algn="ctr"/>
+            <a:r>
+              <a:rPr lang="en-US" sz="900" dirty="0" smtClean="0">
+                <a:solidFill>
+                  <a:schemeClr val="tx1">
+                    <a:lumMod val="65000"/>
+                    <a:lumOff val="35000"/>
+                  </a:schemeClr>
+                </a:solidFill>
+              </a:rPr>
+              <a:t>DB Specific Operations:</a:t>
+            </a:r>
+          </a:p>
+          <a:p>
+            <a:pPr algn="ctr"/>
+            <a:r>
+              <a:rPr lang="en-US" sz="900" dirty="0" err="1" smtClean="0">
+                <a:solidFill>
+                  <a:schemeClr val="tx1">
+                    <a:lumMod val="65000"/>
+                    <a:lumOff val="35000"/>
+                  </a:schemeClr>
+                </a:solidFill>
+              </a:rPr>
+              <a:t>BulkInsert</a:t>
+            </a:r>
+            <a:endParaRPr lang="en-US" sz="900" dirty="0">
+              <a:solidFill>
+                <a:schemeClr val="tx1">
+                  <a:lumMod val="65000"/>
+                  <a:lumOff val="35000"/>
+                </a:schemeClr>
+              </a:solidFill>
+            </a:endParaRPr>
+          </a:p>
+        </p:txBody>
+      </p:sp>
+      <p:sp>
+        <p:nvSpPr>
+          <p:cNvPr id="24" name="Flowchart: Alternate Process 23"/>
+          <p:cNvSpPr/>
+          <p:nvPr/>
+        </p:nvSpPr>
+        <p:spPr>
+          <a:xfrm>
+            <a:off x="2823559" y="799469"/>
+            <a:ext cx="1685925" cy="484061"/>
+          </a:xfrm>
+          <a:prstGeom prst="flowChartAlternateProcess">
+            <a:avLst/>
+          </a:prstGeom>
+          <a:solidFill>
+            <a:schemeClr val="bg1">
+              <a:lumMod val="95000"/>
+            </a:schemeClr>
+          </a:solidFill>
+          <a:ln>
+            <a:solidFill>
+              <a:schemeClr val="bg1">
+                <a:lumMod val="85000"/>
+              </a:schemeClr>
+            </a:solidFill>
+          </a:ln>
+        </p:spPr>
+        <p:style>
+          <a:lnRef idx="2">
+            <a:schemeClr val="accent2">
+              <a:shade val="50000"/>
+            </a:schemeClr>
+          </a:lnRef>
+          <a:fillRef idx="1">
             <a:schemeClr val="accent2"/>
           </a:fillRef>
-          <a:effectRef idx="3">
+          <a:effectRef idx="0">
             <a:schemeClr val="accent2"/>
           </a:effectRef>
           <a:fontRef idx="minor">
@@ -3843,83 +4133,110 @@
           <a:p>
             <a:pPr algn="ctr"/>
             <a:r>
+              <a:rPr lang="en-US" sz="900" b="1" dirty="0" err="1" smtClean="0">
+                <a:solidFill>
+                  <a:schemeClr val="tx1">
+                    <a:lumMod val="65000"/>
+                    <a:lumOff val="35000"/>
+                  </a:schemeClr>
+                </a:solidFill>
+              </a:rPr>
+              <a:t>IStatementBuilder</a:t>
+            </a:r>
+            <a:endParaRPr lang="en-US" sz="900" b="1" dirty="0" smtClean="0">
+              <a:solidFill>
+                <a:schemeClr val="tx1">
+                  <a:lumMod val="65000"/>
+                  <a:lumOff val="35000"/>
+                </a:schemeClr>
+              </a:solidFill>
+            </a:endParaRPr>
+          </a:p>
+          <a:p>
+            <a:pPr algn="ctr"/>
+            <a:r>
+              <a:rPr lang="en-US" sz="900" dirty="0" smtClean="0">
+                <a:solidFill>
+                  <a:schemeClr val="tx1">
+                    <a:lumMod val="65000"/>
+                    <a:lumOff val="35000"/>
+                  </a:schemeClr>
+                </a:solidFill>
+              </a:rPr>
+              <a:t>(</a:t>
+            </a:r>
+            <a:r>
               <a:rPr lang="en-US" sz="900" dirty="0" err="1" smtClean="0">
                 <a:solidFill>
-                  <a:schemeClr val="tx1"/>
-                </a:solidFill>
-              </a:rPr>
-              <a:t>ObjectCache</a:t>
+                  <a:schemeClr val="tx1">
+                    <a:lumMod val="65000"/>
+                    <a:lumOff val="35000"/>
+                  </a:schemeClr>
+                </a:solidFill>
+              </a:rPr>
+              <a:t>Sql</a:t>
             </a:r>
             <a:r>
               <a:rPr lang="en-US" sz="900" dirty="0" smtClean="0">
                 <a:solidFill>
-                  <a:schemeClr val="tx1"/>
-                </a:solidFill>
-              </a:rPr>
-              <a:t>(s)</a:t>
-            </a:r>
-          </a:p>
-          <a:p>
-            <a:pPr algn="ctr"/>
+                  <a:schemeClr val="tx1">
+                    <a:lumMod val="65000"/>
+                    <a:lumOff val="35000"/>
+                  </a:schemeClr>
+                </a:solidFill>
+              </a:rPr>
+              <a:t>, Oracle, </a:t>
+            </a:r>
+            <a:r>
+              <a:rPr lang="en-US" sz="900" dirty="0" err="1" smtClean="0">
+                <a:solidFill>
+                  <a:schemeClr val="tx1">
+                    <a:lumMod val="65000"/>
+                    <a:lumOff val="35000"/>
+                  </a:schemeClr>
+                </a:solidFill>
+              </a:rPr>
+              <a:t>MySql</a:t>
+            </a:r>
             <a:r>
               <a:rPr lang="en-US" sz="900" dirty="0" smtClean="0">
                 <a:solidFill>
-                  <a:schemeClr val="tx1"/>
-                </a:solidFill>
-              </a:rPr>
-              <a:t>(</a:t>
+                  <a:schemeClr val="tx1">
+                    <a:lumMod val="65000"/>
+                    <a:lumOff val="35000"/>
+                  </a:schemeClr>
+                </a:solidFill>
+              </a:rPr>
+              <a:t>, </a:t>
             </a:r>
             <a:r>
               <a:rPr lang="en-US" sz="900" dirty="0" err="1" smtClean="0">
                 <a:solidFill>
-                  <a:schemeClr val="tx1"/>
-                </a:solidFill>
-              </a:rPr>
-              <a:t>CommandText</a:t>
+                  <a:schemeClr val="tx1">
+                    <a:lumMod val="65000"/>
+                    <a:lumOff val="35000"/>
+                  </a:schemeClr>
+                </a:solidFill>
+              </a:rPr>
+              <a:t>PostgreSql</a:t>
             </a:r>
             <a:r>
               <a:rPr lang="en-US" sz="900" dirty="0" smtClean="0">
                 <a:solidFill>
-                  <a:schemeClr val="tx1"/>
-                </a:solidFill>
-              </a:rPr>
-              <a:t>, Columns, </a:t>
-            </a:r>
-            <a:r>
-              <a:rPr lang="en-US" sz="900" dirty="0" err="1" smtClean="0">
-                <a:solidFill>
-                  <a:schemeClr val="tx1"/>
-                </a:solidFill>
-              </a:rPr>
-              <a:t>ExecutionContext</a:t>
-            </a:r>
-            <a:r>
-              <a:rPr lang="en-US" sz="900" dirty="0" smtClean="0">
-                <a:solidFill>
-                  <a:schemeClr val="tx1"/>
-                </a:solidFill>
-              </a:rPr>
-              <a:t>, Property, Mappings, </a:t>
-            </a:r>
-            <a:r>
-              <a:rPr lang="en-US" sz="900" dirty="0" err="1" smtClean="0">
-                <a:solidFill>
-                  <a:schemeClr val="tx1"/>
-                </a:solidFill>
-              </a:rPr>
-              <a:t>etc</a:t>
-            </a:r>
-            <a:r>
-              <a:rPr lang="en-US" sz="900" dirty="0" smtClean="0">
-                <a:solidFill>
-                  <a:schemeClr val="tx1"/>
+                  <a:schemeClr val="tx1">
+                    <a:lumMod val="65000"/>
+                    <a:lumOff val="35000"/>
+                  </a:schemeClr>
                 </a:solidFill>
               </a:rPr>
               <a:t>)</a:t>
             </a:r>
             <a:endParaRPr lang="en-US" sz="900" dirty="0">
               <a:solidFill>
-                <a:schemeClr val="tx1"/>
+                <a:schemeClr val="tx1">
+                  <a:lumMod val="65000"/>
+                  <a:lumOff val="35000"/>
+                </a:schemeClr>
               </a:solidFill>
             </a:endParaRPr>
           </a:p>
@@ -3927,37 +4244,41 @@
       </p:sp>
       <p:sp>
         <p:nvSpPr>
-          <p:cNvPr id="14" name="Flowchart: Alternate Process 13"/>
+          <p:cNvPr id="25" name="Flowchart: Alternate Process 24"/>
           <p:cNvSpPr/>
           <p:nvPr/>
         </p:nvSpPr>
         <p:spPr>
           <a:xfrm>
-            <a:off x="1482492" y="3093388"/>
-            <a:ext cx="1366842" cy="904632"/>
+            <a:off x="5258944" y="804329"/>
+            <a:ext cx="1685925" cy="484061"/>
           </a:xfrm>
           <a:prstGeom prst="flowChartAlternateProcess">
             <a:avLst/>
           </a:prstGeom>
-          <a:noFill/>
+          <a:solidFill>
+            <a:schemeClr val="bg1">
+              <a:lumMod val="95000"/>
+            </a:schemeClr>
+          </a:solidFill>
           <a:ln>
             <a:solidFill>
               <a:schemeClr val="bg1">
-                <a:lumMod val="50000"/>
+                <a:lumMod val="85000"/>
               </a:schemeClr>
             </a:solidFill>
-            <a:prstDash val="dash"/>
           </a:ln>
-          <a:effectLst/>
         </p:spPr>
         <p:style>
-          <a:lnRef idx="0">
-            <a:schemeClr val="accent2"/>
+          <a:lnRef idx="2">
+            <a:schemeClr val="accent2">
+              <a:shade val="50000"/>
+            </a:schemeClr>
           </a:lnRef>
-          <a:fillRef idx="3">
+          <a:fillRef idx="1">
             <a:schemeClr val="accent2"/>
           </a:fillRef>
-          <a:effectRef idx="3">
+          <a:effectRef idx="0">
             <a:schemeClr val="accent2"/>
           </a:effectRef>
           <a:fontRef idx="minor">
@@ -3970,97 +4291,152 @@
           <a:p>
             <a:pPr algn="ctr"/>
             <a:r>
-              <a:rPr lang="en-US" sz="900" dirty="0" smtClean="0">
-                <a:solidFill>
-                  <a:schemeClr val="tx1"/>
-                </a:solidFill>
-              </a:rPr>
-              <a:t>Helper Methods:</a:t>
-            </a:r>
-          </a:p>
-          <a:p>
-            <a:pPr algn="ctr"/>
-            <a:r>
-              <a:rPr lang="en-US" sz="900" dirty="0" err="1" smtClean="0">
-                <a:solidFill>
-                  <a:schemeClr val="tx1"/>
-                </a:solidFill>
-              </a:rPr>
-              <a:t>GetFields</a:t>
-            </a:r>
-            <a:endParaRPr lang="en-US" sz="900" dirty="0" smtClean="0">
+              <a:rPr lang="en-US" sz="900" b="1" dirty="0" err="1" smtClean="0">
+                <a:solidFill>
+                  <a:schemeClr val="tx1">
+                    <a:lumMod val="65000"/>
+                    <a:lumOff val="35000"/>
+                  </a:schemeClr>
+                </a:solidFill>
+              </a:rPr>
+              <a:t>ICache</a:t>
+            </a:r>
+            <a:endParaRPr lang="en-US" sz="900" b="1" dirty="0">
               <a:solidFill>
-                <a:schemeClr val="tx1"/>
+                <a:schemeClr val="tx1">
+                  <a:lumMod val="65000"/>
+                  <a:lumOff val="35000"/>
+                </a:schemeClr>
               </a:solidFill>
             </a:endParaRPr>
           </a:p>
           <a:p>
             <a:pPr algn="ctr"/>
             <a:r>
+              <a:rPr lang="en-US" sz="900" dirty="0" smtClean="0">
+                <a:solidFill>
+                  <a:schemeClr val="tx1">
+                    <a:lumMod val="65000"/>
+                    <a:lumOff val="35000"/>
+                  </a:schemeClr>
+                </a:solidFill>
+              </a:rPr>
+              <a:t>(</a:t>
+            </a:r>
+            <a:r>
               <a:rPr lang="en-US" sz="900" dirty="0" err="1" smtClean="0">
                 <a:solidFill>
-                  <a:schemeClr val="tx1"/>
-                </a:solidFill>
-              </a:rPr>
-              <a:t>GetSchema</a:t>
-            </a:r>
-            <a:endParaRPr lang="en-US" sz="900" dirty="0" smtClean="0">
+                  <a:schemeClr val="tx1">
+                    <a:lumMod val="65000"/>
+                    <a:lumOff val="35000"/>
+                  </a:schemeClr>
+                </a:solidFill>
+              </a:rPr>
+              <a:t>MemoryCache</a:t>
+            </a:r>
+            <a:r>
+              <a:rPr lang="en-US" sz="900" dirty="0" smtClean="0">
+                <a:solidFill>
+                  <a:schemeClr val="tx1">
+                    <a:lumMod val="65000"/>
+                    <a:lumOff val="35000"/>
+                  </a:schemeClr>
+                </a:solidFill>
+              </a:rPr>
+              <a:t>, </a:t>
+            </a:r>
+            <a:r>
+              <a:rPr lang="en-US" sz="900" dirty="0" err="1" smtClean="0">
+                <a:solidFill>
+                  <a:schemeClr val="tx1">
+                    <a:lumMod val="65000"/>
+                    <a:lumOff val="35000"/>
+                  </a:schemeClr>
+                </a:solidFill>
+              </a:rPr>
+              <a:t>FileCache</a:t>
+            </a:r>
+            <a:r>
+              <a:rPr lang="en-US" sz="900" dirty="0" smtClean="0">
+                <a:solidFill>
+                  <a:schemeClr val="tx1">
+                    <a:lumMod val="65000"/>
+                    <a:lumOff val="35000"/>
+                  </a:schemeClr>
+                </a:solidFill>
+              </a:rPr>
+              <a:t>, </a:t>
+            </a:r>
+            <a:r>
+              <a:rPr lang="en-US" sz="900" dirty="0" err="1" smtClean="0">
+                <a:solidFill>
+                  <a:schemeClr val="tx1">
+                    <a:lumMod val="65000"/>
+                    <a:lumOff val="35000"/>
+                  </a:schemeClr>
+                </a:solidFill>
+              </a:rPr>
+              <a:t>etc</a:t>
+            </a:r>
+            <a:r>
+              <a:rPr lang="en-US" sz="900" dirty="0" smtClean="0">
+                <a:solidFill>
+                  <a:schemeClr val="tx1">
+                    <a:lumMod val="65000"/>
+                    <a:lumOff val="35000"/>
+                  </a:schemeClr>
+                </a:solidFill>
+              </a:rPr>
+              <a:t>)</a:t>
+            </a:r>
+            <a:endParaRPr lang="en-US" sz="900" dirty="0">
               <a:solidFill>
-                <a:schemeClr val="tx1"/>
+                <a:schemeClr val="tx1">
+                  <a:lumMod val="65000"/>
+                  <a:lumOff val="35000"/>
+                </a:schemeClr>
               </a:solidFill>
             </a:endParaRPr>
           </a:p>
-          <a:p>
-            <a:pPr algn="ctr"/>
-            <a:r>
-              <a:rPr lang="en-US" sz="900" dirty="0" err="1" smtClean="0">
-                <a:solidFill>
-                  <a:schemeClr val="tx1"/>
-                </a:solidFill>
-              </a:rPr>
-              <a:t>GetVersion</a:t>
-            </a:r>
-            <a:endParaRPr lang="en-US" sz="900" dirty="0">
-              <a:solidFill>
-                <a:schemeClr val="tx1"/>
-              </a:solidFill>
-            </a:endParaRPr>
-          </a:p>
-        </p:txBody>
-      </p:sp>
-      <p:sp>
-        <p:nvSpPr>
-          <p:cNvPr id="18" name="Flowchart: Alternate Process 17"/>
+        </p:txBody>
+      </p:sp>
+      <p:sp>
+        <p:nvSpPr>
+          <p:cNvPr id="26" name="Flowchart: Alternate Process 25"/>
           <p:cNvSpPr/>
           <p:nvPr/>
         </p:nvSpPr>
         <p:spPr>
           <a:xfrm>
-            <a:off x="9344261" y="3101660"/>
-            <a:ext cx="1518049" cy="904632"/>
+            <a:off x="3218147" y="3221397"/>
+            <a:ext cx="1685925" cy="484061"/>
           </a:xfrm>
           <a:prstGeom prst="flowChartAlternateProcess">
             <a:avLst/>
           </a:prstGeom>
-          <a:noFill/>
+          <a:solidFill>
+            <a:schemeClr val="bg1">
+              <a:lumMod val="95000"/>
+            </a:schemeClr>
+          </a:solidFill>
           <a:ln>
             <a:solidFill>
               <a:schemeClr val="bg1">
-                <a:lumMod val="50000"/>
+                <a:lumMod val="85000"/>
               </a:schemeClr>
             </a:solidFill>
-            <a:prstDash val="dash"/>
           </a:ln>
-          <a:effectLst/>
         </p:spPr>
         <p:style>
-          <a:lnRef idx="0">
-            <a:schemeClr val="accent2"/>
+          <a:lnRef idx="2">
+            <a:schemeClr val="accent2">
+              <a:shade val="50000"/>
+            </a:schemeClr>
           </a:lnRef>
-          <a:fillRef idx="3">
+          <a:fillRef idx="1">
             <a:schemeClr val="accent2"/>
           </a:fillRef>
-          <a:effectRef idx="3">
+          <a:effectRef idx="0">
             <a:schemeClr val="accent2"/>
           </a:effectRef>
           <a:fontRef idx="minor">
@@ -4073,361 +4449,152 @@
           <a:p>
             <a:pPr algn="ctr"/>
             <a:r>
-              <a:rPr lang="en-US" sz="900" dirty="0" smtClean="0">
-                <a:solidFill>
-                  <a:schemeClr val="tx1"/>
-                </a:solidFill>
-              </a:rPr>
-              <a:t>DB Specific Operations:</a:t>
-            </a:r>
-          </a:p>
-          <a:p>
-            <a:pPr algn="ctr"/>
-            <a:r>
-              <a:rPr lang="en-US" sz="900" dirty="0" err="1" smtClean="0">
-                <a:solidFill>
-                  <a:schemeClr val="tx1"/>
-                </a:solidFill>
-              </a:rPr>
-              <a:t>BulkInsert</a:t>
-            </a:r>
-            <a:endParaRPr lang="en-US" sz="900" dirty="0" smtClean="0">
+              <a:rPr lang="en-US" sz="900" b="1" dirty="0" err="1" smtClean="0">
+                <a:solidFill>
+                  <a:schemeClr val="tx1">
+                    <a:lumMod val="65000"/>
+                    <a:lumOff val="35000"/>
+                  </a:schemeClr>
+                </a:solidFill>
+              </a:rPr>
+              <a:t>IDbHelper</a:t>
+            </a:r>
+            <a:endParaRPr lang="en-US" sz="900" b="1" dirty="0">
               <a:solidFill>
-                <a:schemeClr val="tx1"/>
+                <a:schemeClr val="tx1">
+                  <a:lumMod val="65000"/>
+                  <a:lumOff val="35000"/>
+                </a:schemeClr>
               </a:solidFill>
             </a:endParaRPr>
           </a:p>
           <a:p>
             <a:pPr algn="ctr"/>
             <a:r>
+              <a:rPr lang="en-US" sz="900" dirty="0" smtClean="0">
+                <a:solidFill>
+                  <a:schemeClr val="tx1">
+                    <a:lumMod val="65000"/>
+                    <a:lumOff val="35000"/>
+                  </a:schemeClr>
+                </a:solidFill>
+              </a:rPr>
+              <a:t>(</a:t>
+            </a:r>
+            <a:r>
               <a:rPr lang="en-US" sz="900" dirty="0" err="1" smtClean="0">
                 <a:solidFill>
-                  <a:schemeClr val="tx1"/>
-                </a:solidFill>
-              </a:rPr>
-              <a:t>AllowIdentityInsert</a:t>
-            </a:r>
-            <a:endParaRPr lang="en-US" sz="900" dirty="0" smtClean="0">
+                  <a:schemeClr val="tx1">
+                    <a:lumMod val="65000"/>
+                    <a:lumOff val="35000"/>
+                  </a:schemeClr>
+                </a:solidFill>
+              </a:rPr>
+              <a:t>Sql</a:t>
+            </a:r>
+            <a:r>
+              <a:rPr lang="en-US" sz="900" dirty="0" smtClean="0">
+                <a:solidFill>
+                  <a:schemeClr val="tx1">
+                    <a:lumMod val="65000"/>
+                    <a:lumOff val="35000"/>
+                  </a:schemeClr>
+                </a:solidFill>
+              </a:rPr>
+              <a:t>, Oracle, </a:t>
+            </a:r>
+            <a:r>
+              <a:rPr lang="en-US" sz="900" dirty="0" err="1" smtClean="0">
+                <a:solidFill>
+                  <a:schemeClr val="tx1">
+                    <a:lumMod val="65000"/>
+                    <a:lumOff val="35000"/>
+                  </a:schemeClr>
+                </a:solidFill>
+              </a:rPr>
+              <a:t>MySql</a:t>
+            </a:r>
+            <a:r>
+              <a:rPr lang="en-US" sz="900" dirty="0" smtClean="0">
+                <a:solidFill>
+                  <a:schemeClr val="tx1">
+                    <a:lumMod val="65000"/>
+                    <a:lumOff val="35000"/>
+                  </a:schemeClr>
+                </a:solidFill>
+              </a:rPr>
+              <a:t>, </a:t>
+            </a:r>
+            <a:r>
+              <a:rPr lang="en-US" sz="900" dirty="0" err="1" smtClean="0">
+                <a:solidFill>
+                  <a:schemeClr val="tx1">
+                    <a:lumMod val="65000"/>
+                    <a:lumOff val="35000"/>
+                  </a:schemeClr>
+                </a:solidFill>
+              </a:rPr>
+              <a:t>PostgreSql</a:t>
+            </a:r>
+            <a:r>
+              <a:rPr lang="en-US" sz="900" dirty="0" smtClean="0">
+                <a:solidFill>
+                  <a:schemeClr val="tx1">
+                    <a:lumMod val="65000"/>
+                    <a:lumOff val="35000"/>
+                  </a:schemeClr>
+                </a:solidFill>
+              </a:rPr>
+              <a:t>)</a:t>
+            </a:r>
+            <a:endParaRPr lang="en-US" sz="900" dirty="0">
               <a:solidFill>
-                <a:schemeClr val="tx1"/>
+                <a:schemeClr val="tx1">
+                  <a:lumMod val="65000"/>
+                  <a:lumOff val="35000"/>
+                </a:schemeClr>
               </a:solidFill>
             </a:endParaRPr>
           </a:p>
-          <a:p>
-            <a:pPr algn="ctr"/>
-            <a:r>
-              <a:rPr lang="en-US" sz="900" dirty="0" err="1" smtClean="0">
-                <a:solidFill>
-                  <a:schemeClr val="tx1"/>
-                </a:solidFill>
-              </a:rPr>
-              <a:t>DisallowIdentityInsert</a:t>
-            </a:r>
-            <a:endParaRPr lang="en-US" sz="900" dirty="0" smtClean="0">
-              <a:solidFill>
-                <a:schemeClr val="tx1"/>
-              </a:solidFill>
-            </a:endParaRPr>
-          </a:p>
-          <a:p>
-            <a:pPr algn="ctr"/>
-            <a:r>
-              <a:rPr lang="en-US" sz="900" dirty="0" err="1" smtClean="0">
-                <a:solidFill>
-                  <a:schemeClr val="tx1"/>
-                </a:solidFill>
-              </a:rPr>
-              <a:t>EnableBroker</a:t>
-            </a:r>
-            <a:endParaRPr lang="en-US" sz="900" dirty="0">
-              <a:solidFill>
-                <a:schemeClr val="tx1"/>
-              </a:solidFill>
-            </a:endParaRPr>
-          </a:p>
-        </p:txBody>
-      </p:sp>
-      <p:sp>
-        <p:nvSpPr>
-          <p:cNvPr id="24" name="Flowchart: Alternate Process 23"/>
+        </p:txBody>
+      </p:sp>
+      <p:sp>
+        <p:nvSpPr>
+          <p:cNvPr id="27" name="Flowchart: Alternate Process 26"/>
           <p:cNvSpPr/>
           <p:nvPr/>
         </p:nvSpPr>
         <p:spPr>
           <a:xfrm>
-            <a:off x="2814034" y="885196"/>
-            <a:ext cx="1685925" cy="484061"/>
+            <a:off x="6362517" y="4071788"/>
+            <a:ext cx="1685925" cy="733424"/>
           </a:xfrm>
           <a:prstGeom prst="flowChartAlternateProcess">
             <a:avLst/>
           </a:prstGeom>
-          <a:noFill/>
+          <a:solidFill>
+            <a:schemeClr val="bg1">
+              <a:lumMod val="95000"/>
+            </a:schemeClr>
+          </a:solidFill>
           <a:ln>
             <a:solidFill>
               <a:schemeClr val="bg1">
-                <a:lumMod val="50000"/>
+                <a:lumMod val="85000"/>
               </a:schemeClr>
             </a:solidFill>
-            <a:prstDash val="dash"/>
           </a:ln>
-          <a:effectLst/>
         </p:spPr>
         <p:style>
-          <a:lnRef idx="0">
-            <a:schemeClr val="accent6"/>
+          <a:lnRef idx="2">
+            <a:schemeClr val="accent3">
+              <a:shade val="50000"/>
+            </a:schemeClr>
           </a:lnRef>
-          <a:fillRef idx="3">
-            <a:schemeClr val="accent6"/>
-          </a:fillRef>
-          <a:effectRef idx="3">
-            <a:schemeClr val="accent6"/>
-          </a:effectRef>
-          <a:fontRef idx="minor">
-            <a:schemeClr val="lt1"/>
-          </a:fontRef>
-        </p:style>
-        <p:txBody>
-          <a:bodyPr rtlCol="0" anchor="ctr"/>
-          <a:lstStyle/>
-          <a:p>
-            <a:pPr algn="ctr"/>
-            <a:r>
-              <a:rPr lang="en-US" sz="900" b="1" dirty="0" err="1" smtClean="0">
-                <a:solidFill>
-                  <a:schemeClr val="tx1"/>
-                </a:solidFill>
-              </a:rPr>
-              <a:t>IStamentBuilder</a:t>
-            </a:r>
-            <a:endParaRPr lang="en-US" sz="900" b="1" dirty="0" smtClean="0">
-              <a:solidFill>
-                <a:schemeClr val="tx1"/>
-              </a:solidFill>
-            </a:endParaRPr>
-          </a:p>
-          <a:p>
-            <a:pPr algn="ctr"/>
-            <a:r>
-              <a:rPr lang="en-US" sz="900" dirty="0" smtClean="0">
-                <a:solidFill>
-                  <a:schemeClr val="tx1"/>
-                </a:solidFill>
-              </a:rPr>
-              <a:t>(</a:t>
-            </a:r>
-            <a:r>
-              <a:rPr lang="en-US" sz="900" dirty="0" err="1" smtClean="0">
-                <a:solidFill>
-                  <a:schemeClr val="tx1"/>
-                </a:solidFill>
-              </a:rPr>
-              <a:t>Sql</a:t>
-            </a:r>
-            <a:r>
-              <a:rPr lang="en-US" sz="900" dirty="0" smtClean="0">
-                <a:solidFill>
-                  <a:schemeClr val="tx1"/>
-                </a:solidFill>
-              </a:rPr>
-              <a:t>, Oracle, </a:t>
-            </a:r>
-            <a:r>
-              <a:rPr lang="en-US" sz="900" dirty="0" err="1" smtClean="0">
-                <a:solidFill>
-                  <a:schemeClr val="tx1"/>
-                </a:solidFill>
-              </a:rPr>
-              <a:t>MySql</a:t>
-            </a:r>
-            <a:r>
-              <a:rPr lang="en-US" sz="900" dirty="0" smtClean="0">
-                <a:solidFill>
-                  <a:schemeClr val="tx1"/>
-                </a:solidFill>
-              </a:rPr>
-              <a:t>, </a:t>
-            </a:r>
-            <a:r>
-              <a:rPr lang="en-US" sz="900" dirty="0" err="1" smtClean="0">
-                <a:solidFill>
-                  <a:schemeClr val="tx1"/>
-                </a:solidFill>
-              </a:rPr>
-              <a:t>PostgreSql</a:t>
-            </a:r>
-            <a:r>
-              <a:rPr lang="en-US" sz="900" dirty="0" smtClean="0">
-                <a:solidFill>
-                  <a:schemeClr val="tx1"/>
-                </a:solidFill>
-              </a:rPr>
-              <a:t>)</a:t>
-            </a:r>
-            <a:endParaRPr lang="en-US" sz="900" dirty="0">
-              <a:solidFill>
-                <a:schemeClr val="tx1"/>
-              </a:solidFill>
-            </a:endParaRPr>
-          </a:p>
-        </p:txBody>
-      </p:sp>
-      <p:sp>
-        <p:nvSpPr>
-          <p:cNvPr id="25" name="Flowchart: Alternate Process 24"/>
-          <p:cNvSpPr/>
-          <p:nvPr/>
-        </p:nvSpPr>
-        <p:spPr>
-          <a:xfrm>
-            <a:off x="5249419" y="890056"/>
-            <a:ext cx="1685925" cy="484061"/>
-          </a:xfrm>
-          <a:prstGeom prst="flowChartAlternateProcess">
-            <a:avLst/>
-          </a:prstGeom>
-          <a:noFill/>
-          <a:ln>
-            <a:solidFill>
-              <a:schemeClr val="bg1">
-                <a:lumMod val="50000"/>
-              </a:schemeClr>
-            </a:solidFill>
-            <a:prstDash val="dash"/>
-          </a:ln>
-          <a:effectLst/>
-        </p:spPr>
-        <p:style>
-          <a:lnRef idx="0">
-            <a:schemeClr val="accent6"/>
-          </a:lnRef>
-          <a:fillRef idx="3">
-            <a:schemeClr val="accent6"/>
-          </a:fillRef>
-          <a:effectRef idx="3">
-            <a:schemeClr val="accent6"/>
-          </a:effectRef>
-          <a:fontRef idx="minor">
-            <a:schemeClr val="lt1"/>
-          </a:fontRef>
-        </p:style>
-        <p:txBody>
-          <a:bodyPr rtlCol="0" anchor="ctr"/>
-          <a:lstStyle/>
-          <a:p>
-            <a:pPr algn="ctr"/>
-            <a:r>
-              <a:rPr lang="en-US" sz="900" b="1" dirty="0" err="1" smtClean="0">
-                <a:solidFill>
-                  <a:schemeClr val="tx1"/>
-                </a:solidFill>
-              </a:rPr>
-              <a:t>ICache</a:t>
-            </a:r>
-            <a:endParaRPr lang="en-US" sz="900" b="1" dirty="0">
-              <a:solidFill>
-                <a:schemeClr val="tx1"/>
-              </a:solidFill>
-            </a:endParaRPr>
-          </a:p>
-          <a:p>
-            <a:pPr algn="ctr"/>
-            <a:r>
-              <a:rPr lang="en-US" sz="900" dirty="0" smtClean="0">
-                <a:solidFill>
-                  <a:schemeClr val="tx1"/>
-                </a:solidFill>
-              </a:rPr>
-              <a:t>(</a:t>
-            </a:r>
-            <a:r>
-              <a:rPr lang="en-US" sz="900" dirty="0" err="1" smtClean="0">
-                <a:solidFill>
-                  <a:schemeClr val="tx1"/>
-                </a:solidFill>
-              </a:rPr>
-              <a:t>MemoryCache</a:t>
-            </a:r>
-            <a:r>
-              <a:rPr lang="en-US" sz="900" dirty="0" smtClean="0">
-                <a:solidFill>
-                  <a:schemeClr val="tx1"/>
-                </a:solidFill>
-              </a:rPr>
-              <a:t>, </a:t>
-            </a:r>
-            <a:r>
-              <a:rPr lang="en-US" sz="900" dirty="0" err="1" smtClean="0">
-                <a:solidFill>
-                  <a:schemeClr val="tx1"/>
-                </a:solidFill>
-              </a:rPr>
-              <a:t>FileCache</a:t>
-            </a:r>
-            <a:r>
-              <a:rPr lang="en-US" sz="900" dirty="0" smtClean="0">
-                <a:solidFill>
-                  <a:schemeClr val="tx1"/>
-                </a:solidFill>
-              </a:rPr>
-              <a:t>, </a:t>
-            </a:r>
-            <a:r>
-              <a:rPr lang="en-US" sz="900" dirty="0" err="1" smtClean="0">
-                <a:solidFill>
-                  <a:schemeClr val="tx1"/>
-                </a:solidFill>
-              </a:rPr>
-              <a:t>etc</a:t>
-            </a:r>
-            <a:r>
-              <a:rPr lang="en-US" sz="900" dirty="0" smtClean="0">
-                <a:solidFill>
-                  <a:schemeClr val="tx1"/>
-                </a:solidFill>
-              </a:rPr>
-              <a:t>)</a:t>
-            </a:r>
-            <a:endParaRPr lang="en-US" sz="900" dirty="0">
-              <a:solidFill>
-                <a:schemeClr val="tx1"/>
-              </a:solidFill>
-            </a:endParaRPr>
-          </a:p>
-        </p:txBody>
-      </p:sp>
-      <p:sp>
-        <p:nvSpPr>
-          <p:cNvPr id="26" name="Flowchart: Alternate Process 25"/>
-          <p:cNvSpPr/>
-          <p:nvPr/>
-        </p:nvSpPr>
-        <p:spPr>
-          <a:xfrm>
-            <a:off x="3208622" y="3307124"/>
-            <a:ext cx="1685925" cy="484061"/>
-          </a:xfrm>
-          <a:prstGeom prst="flowChartAlternateProcess">
-            <a:avLst/>
-          </a:prstGeom>
-          <a:noFill/>
-          <a:ln>
-            <a:solidFill>
-              <a:schemeClr val="bg1">
-                <a:lumMod val="50000"/>
-              </a:schemeClr>
-            </a:solidFill>
-            <a:prstDash val="dash"/>
-          </a:ln>
-          <a:effectLst/>
-        </p:spPr>
-        <p:style>
-          <a:lnRef idx="0">
-            <a:schemeClr val="accent3"/>
-          </a:lnRef>
-          <a:fillRef idx="3">
+          <a:fillRef idx="1">
             <a:schemeClr val="accent3"/>
           </a:fillRef>
-          <a:effectRef idx="3">
+          <a:effectRef idx="0">
             <a:schemeClr val="accent3"/>
           </a:effectRef>
           <a:fontRef idx="minor">
@@ -4440,118 +4607,155 @@
           <a:p>
             <a:pPr algn="ctr"/>
             <a:r>
-              <a:rPr lang="en-US" sz="900" b="1" dirty="0" err="1" smtClean="0">
-                <a:solidFill>
-                  <a:schemeClr val="tx1"/>
-                </a:solidFill>
-              </a:rPr>
-              <a:t>IDbHelper</a:t>
-            </a:r>
-            <a:endParaRPr lang="en-US" sz="900" b="1" dirty="0">
+              <a:rPr lang="en-US" sz="900" dirty="0" err="1" smtClean="0">
+                <a:solidFill>
+                  <a:schemeClr val="tx1">
+                    <a:lumMod val="65000"/>
+                    <a:lumOff val="35000"/>
+                  </a:schemeClr>
+                </a:solidFill>
+              </a:rPr>
+              <a:t>ExtendedOperation</a:t>
+            </a:r>
+            <a:r>
+              <a:rPr lang="en-US" sz="900" dirty="0" smtClean="0">
+                <a:solidFill>
+                  <a:schemeClr val="tx1">
+                    <a:lumMod val="65000"/>
+                    <a:lumOff val="35000"/>
+                  </a:schemeClr>
+                </a:solidFill>
+              </a:rPr>
+              <a:t>(s)</a:t>
+            </a:r>
+          </a:p>
+          <a:p>
+            <a:pPr algn="ctr"/>
+            <a:r>
+              <a:rPr lang="en-US" sz="900" dirty="0" smtClean="0">
+                <a:solidFill>
+                  <a:schemeClr val="tx1">
+                    <a:lumMod val="65000"/>
+                    <a:lumOff val="35000"/>
+                  </a:schemeClr>
+                </a:solidFill>
+              </a:rPr>
+              <a:t>(</a:t>
+            </a:r>
+            <a:r>
+              <a:rPr lang="en-US" sz="900" dirty="0" err="1" smtClean="0">
+                <a:solidFill>
+                  <a:schemeClr val="tx1">
+                    <a:lumMod val="65000"/>
+                    <a:lumOff val="35000"/>
+                  </a:schemeClr>
+                </a:solidFill>
+              </a:rPr>
+              <a:t>BatchQuery</a:t>
+            </a:r>
+            <a:r>
+              <a:rPr lang="en-US" sz="900" dirty="0" smtClean="0">
+                <a:solidFill>
+                  <a:schemeClr val="tx1">
+                    <a:lumMod val="65000"/>
+                    <a:lumOff val="35000"/>
+                  </a:schemeClr>
+                </a:solidFill>
+              </a:rPr>
+              <a:t>, </a:t>
+            </a:r>
+            <a:r>
+              <a:rPr lang="en-US" sz="900" dirty="0" err="1" smtClean="0">
+                <a:solidFill>
+                  <a:schemeClr val="tx1">
+                    <a:lumMod val="65000"/>
+                    <a:lumOff val="35000"/>
+                  </a:schemeClr>
+                </a:solidFill>
+              </a:rPr>
+              <a:t>BulkInsert</a:t>
+            </a:r>
+            <a:r>
+              <a:rPr lang="en-US" sz="900" dirty="0" smtClean="0">
+                <a:solidFill>
+                  <a:schemeClr val="tx1">
+                    <a:lumMod val="65000"/>
+                    <a:lumOff val="35000"/>
+                  </a:schemeClr>
+                </a:solidFill>
+              </a:rPr>
+              <a:t>, Count, Delete, Insert, Merge, Query, Update, Truncate, </a:t>
+            </a:r>
+            <a:r>
+              <a:rPr lang="en-US" sz="900" dirty="0" err="1" smtClean="0">
+                <a:solidFill>
+                  <a:schemeClr val="tx1">
+                    <a:lumMod val="65000"/>
+                    <a:lumOff val="35000"/>
+                  </a:schemeClr>
+                </a:solidFill>
+              </a:rPr>
+              <a:t>etc</a:t>
+            </a:r>
+            <a:r>
+              <a:rPr lang="en-US" sz="900" dirty="0" smtClean="0">
+                <a:solidFill>
+                  <a:schemeClr val="tx1">
+                    <a:lumMod val="65000"/>
+                    <a:lumOff val="35000"/>
+                  </a:schemeClr>
+                </a:solidFill>
+              </a:rPr>
+              <a:t>)</a:t>
+            </a:r>
+            <a:endParaRPr lang="en-US" sz="900" dirty="0">
               <a:solidFill>
-                <a:schemeClr val="tx1"/>
+                <a:schemeClr val="tx1">
+                  <a:lumMod val="65000"/>
+                  <a:lumOff val="35000"/>
+                </a:schemeClr>
               </a:solidFill>
             </a:endParaRPr>
           </a:p>
-          <a:p>
-            <a:pPr algn="ctr"/>
-            <a:r>
-              <a:rPr lang="en-US" sz="900" dirty="0" smtClean="0">
-                <a:solidFill>
-                  <a:schemeClr val="tx1"/>
-                </a:solidFill>
-              </a:rPr>
-              <a:t>(</a:t>
-            </a:r>
-            <a:r>
-              <a:rPr lang="en-US" sz="900" dirty="0" err="1" smtClean="0">
-                <a:solidFill>
-                  <a:schemeClr val="tx1"/>
-                </a:solidFill>
-              </a:rPr>
-              <a:t>Sql</a:t>
-            </a:r>
-            <a:r>
-              <a:rPr lang="en-US" sz="900" dirty="0" smtClean="0">
-                <a:solidFill>
-                  <a:schemeClr val="tx1"/>
-                </a:solidFill>
-              </a:rPr>
-              <a:t>, Oracle, </a:t>
-            </a:r>
-            <a:r>
-              <a:rPr lang="en-US" sz="900" dirty="0" err="1" smtClean="0">
-                <a:solidFill>
-                  <a:schemeClr val="tx1"/>
-                </a:solidFill>
-              </a:rPr>
-              <a:t>MySql</a:t>
-            </a:r>
-            <a:r>
-              <a:rPr lang="en-US" sz="900" dirty="0" smtClean="0">
-                <a:solidFill>
-                  <a:schemeClr val="tx1"/>
-                </a:solidFill>
-              </a:rPr>
-              <a:t>, </a:t>
-            </a:r>
-            <a:r>
-              <a:rPr lang="en-US" sz="900" dirty="0" err="1" smtClean="0">
-                <a:solidFill>
-                  <a:schemeClr val="tx1"/>
-                </a:solidFill>
-              </a:rPr>
-              <a:t>PostgreSql</a:t>
-            </a:r>
-            <a:r>
-              <a:rPr lang="en-US" sz="900" dirty="0" smtClean="0">
-                <a:solidFill>
-                  <a:schemeClr val="tx1"/>
-                </a:solidFill>
-              </a:rPr>
-              <a:t>)</a:t>
-            </a:r>
-            <a:endParaRPr lang="en-US" sz="900" dirty="0">
-              <a:solidFill>
-                <a:schemeClr val="tx1"/>
-              </a:solidFill>
-            </a:endParaRPr>
-          </a:p>
-        </p:txBody>
-      </p:sp>
-      <p:sp>
-        <p:nvSpPr>
-          <p:cNvPr id="27" name="Flowchart: Alternate Process 26"/>
+        </p:txBody>
+      </p:sp>
+      <p:sp>
+        <p:nvSpPr>
+          <p:cNvPr id="28" name="Flowchart: Alternate Process 27"/>
           <p:cNvSpPr/>
           <p:nvPr/>
         </p:nvSpPr>
         <p:spPr>
           <a:xfrm>
-            <a:off x="6352992" y="4157515"/>
-            <a:ext cx="1685925" cy="733424"/>
+            <a:off x="1492017" y="1924154"/>
+            <a:ext cx="1685925" cy="484061"/>
           </a:xfrm>
           <a:prstGeom prst="flowChartAlternateProcess">
             <a:avLst/>
           </a:prstGeom>
-          <a:noFill/>
+          <a:solidFill>
+            <a:schemeClr val="bg1">
+              <a:lumMod val="95000"/>
+            </a:schemeClr>
+          </a:solidFill>
           <a:ln>
             <a:solidFill>
               <a:schemeClr val="bg1">
-                <a:lumMod val="50000"/>
+                <a:lumMod val="85000"/>
               </a:schemeClr>
             </a:solidFill>
-            <a:prstDash val="dash"/>
           </a:ln>
-          <a:effectLst/>
         </p:spPr>
         <p:style>
-          <a:lnRef idx="0">
-            <a:schemeClr val="accent2"/>
+          <a:lnRef idx="2">
+            <a:schemeClr val="accent2">
+              <a:shade val="50000"/>
+            </a:schemeClr>
           </a:lnRef>
-          <a:fillRef idx="3">
+          <a:fillRef idx="1">
             <a:schemeClr val="accent2"/>
           </a:fillRef>
-          <a:effectRef idx="3">
+          <a:effectRef idx="0">
             <a:schemeClr val="accent2"/>
           </a:effectRef>
           <a:fontRef idx="minor">
@@ -4564,191 +4768,88 @@
           <a:p>
             <a:pPr algn="ctr"/>
             <a:r>
+              <a:rPr lang="en-US" sz="900" b="1" dirty="0" err="1" smtClean="0">
+                <a:solidFill>
+                  <a:schemeClr val="tx1">
+                    <a:lumMod val="65000"/>
+                    <a:lumOff val="35000"/>
+                  </a:schemeClr>
+                </a:solidFill>
+              </a:rPr>
+              <a:t>IResolver</a:t>
+            </a:r>
+            <a:endParaRPr lang="en-US" sz="900" b="1" dirty="0" smtClean="0">
+              <a:solidFill>
+                <a:schemeClr val="tx1">
+                  <a:lumMod val="65000"/>
+                  <a:lumOff val="35000"/>
+                </a:schemeClr>
+              </a:solidFill>
+            </a:endParaRPr>
+          </a:p>
+          <a:p>
+            <a:pPr algn="ctr"/>
+            <a:r>
+              <a:rPr lang="en-US" sz="900" dirty="0" smtClean="0">
+                <a:solidFill>
+                  <a:schemeClr val="tx1">
+                    <a:lumMod val="65000"/>
+                    <a:lumOff val="35000"/>
+                  </a:schemeClr>
+                </a:solidFill>
+              </a:rPr>
+              <a:t>(</a:t>
+            </a:r>
+            <a:r>
               <a:rPr lang="en-US" sz="900" dirty="0" err="1" smtClean="0">
                 <a:solidFill>
-                  <a:schemeClr val="tx1"/>
-                </a:solidFill>
-              </a:rPr>
-              <a:t>ExtendedOperation</a:t>
+                  <a:schemeClr val="tx1">
+                    <a:lumMod val="65000"/>
+                    <a:lumOff val="35000"/>
+                  </a:schemeClr>
+                </a:solidFill>
+              </a:rPr>
+              <a:t>TypeResolver</a:t>
             </a:r>
             <a:r>
               <a:rPr lang="en-US" sz="900" dirty="0" smtClean="0">
                 <a:solidFill>
-                  <a:schemeClr val="tx1"/>
-                </a:solidFill>
-              </a:rPr>
-              <a:t>(s)</a:t>
-            </a:r>
-          </a:p>
-          <a:p>
-            <a:pPr algn="ctr"/>
+                  <a:schemeClr val="tx1">
+                    <a:lumMod val="65000"/>
+                    <a:lumOff val="35000"/>
+                  </a:schemeClr>
+                </a:solidFill>
+              </a:rPr>
+              <a:t>, </a:t>
+            </a:r>
+            <a:r>
+              <a:rPr lang="en-US" sz="900" dirty="0" err="1" smtClean="0">
+                <a:solidFill>
+                  <a:schemeClr val="tx1">
+                    <a:lumMod val="65000"/>
+                    <a:lumOff val="35000"/>
+                  </a:schemeClr>
+                </a:solidFill>
+              </a:rPr>
+              <a:t>NameResolver</a:t>
+            </a:r>
             <a:r>
               <a:rPr lang="en-US" sz="900" dirty="0" smtClean="0">
                 <a:solidFill>
-                  <a:schemeClr val="tx1"/>
-                </a:solidFill>
-              </a:rPr>
-              <a:t>(</a:t>
-            </a:r>
-            <a:r>
-              <a:rPr lang="en-US" sz="900" dirty="0" err="1" smtClean="0">
-                <a:solidFill>
-                  <a:schemeClr val="tx1"/>
-                </a:solidFill>
-              </a:rPr>
-              <a:t>BatchQuery</a:t>
-            </a:r>
-            <a:r>
-              <a:rPr lang="en-US" sz="900" dirty="0" smtClean="0">
-                <a:solidFill>
-                  <a:schemeClr val="tx1"/>
-                </a:solidFill>
-              </a:rPr>
-              <a:t>, </a:t>
-            </a:r>
-            <a:r>
-              <a:rPr lang="en-US" sz="900" dirty="0" err="1" smtClean="0">
-                <a:solidFill>
-                  <a:schemeClr val="tx1"/>
-                </a:solidFill>
-              </a:rPr>
-              <a:t>BulkInsert</a:t>
-            </a:r>
-            <a:r>
-              <a:rPr lang="en-US" sz="900" dirty="0" smtClean="0">
-                <a:solidFill>
-                  <a:schemeClr val="tx1"/>
-                </a:solidFill>
-              </a:rPr>
-              <a:t>, Count, Delete, Insert, Merge, Query, Update, Truncate, </a:t>
-            </a:r>
-            <a:r>
-              <a:rPr lang="en-US" sz="900" dirty="0" err="1" smtClean="0">
-                <a:solidFill>
-                  <a:schemeClr val="tx1"/>
-                </a:solidFill>
-              </a:rPr>
-              <a:t>etc</a:t>
-            </a:r>
-            <a:r>
-              <a:rPr lang="en-US" sz="900" dirty="0" smtClean="0">
-                <a:solidFill>
-                  <a:schemeClr val="tx1"/>
+                  <a:schemeClr val="tx1">
+                    <a:lumMod val="65000"/>
+                    <a:lumOff val="35000"/>
+                  </a:schemeClr>
                 </a:solidFill>
               </a:rPr>
               <a:t>)</a:t>
             </a:r>
             <a:endParaRPr lang="en-US" sz="900" dirty="0">
               <a:solidFill>
-                <a:schemeClr val="tx1"/>
-              </a:solidFill>
-            </a:endParaRPr>
-          </a:p>
-        </p:txBody>
-      </p:sp>
-      <p:sp>
-        <p:nvSpPr>
-          <p:cNvPr id="28" name="Flowchart: Alternate Process 27"/>
-          <p:cNvSpPr/>
-          <p:nvPr/>
-        </p:nvSpPr>
-        <p:spPr>
-          <a:xfrm>
-            <a:off x="1482492" y="2009881"/>
-            <a:ext cx="1685925" cy="484061"/>
-          </a:xfrm>
-          <a:prstGeom prst="flowChartAlternateProcess">
-            <a:avLst/>
-          </a:prstGeom>
-          <a:noFill/>
-          <a:ln>
-            <a:solidFill>
-              <a:schemeClr val="bg1">
-                <a:lumMod val="50000"/>
-              </a:schemeClr>
-            </a:solidFill>
-            <a:prstDash val="dash"/>
-          </a:ln>
-          <a:effectLst/>
-        </p:spPr>
-        <p:style>
-          <a:lnRef idx="0">
-            <a:schemeClr val="accent2"/>
-          </a:lnRef>
-          <a:fillRef idx="3">
-            <a:schemeClr val="accent2"/>
-          </a:fillRef>
-          <a:effectRef idx="3">
-            <a:schemeClr val="accent2"/>
-          </a:effectRef>
-          <a:fontRef idx="minor">
-            <a:schemeClr val="lt1"/>
-          </a:fontRef>
-        </p:style>
-        <p:txBody>
-          <a:bodyPr rtlCol="0" anchor="ctr"/>
-          <a:lstStyle/>
-          <a:p>
-            <a:pPr algn="ctr"/>
-            <a:r>
-              <a:rPr lang="en-US" sz="900" b="1" dirty="0" err="1" smtClean="0">
-                <a:solidFill>
-                  <a:schemeClr val="tx1"/>
-                </a:solidFill>
-              </a:rPr>
-              <a:t>IResolver</a:t>
-            </a:r>
-            <a:endParaRPr lang="en-US" sz="900" b="1" dirty="0" smtClean="0">
-              <a:solidFill>
-                <a:schemeClr val="tx1"/>
-              </a:solidFill>
-            </a:endParaRPr>
-          </a:p>
-          <a:p>
-            <a:pPr algn="ctr"/>
-            <a:r>
-              <a:rPr lang="en-US" sz="900" dirty="0" smtClean="0">
-                <a:solidFill>
-                  <a:schemeClr val="tx1"/>
-                </a:solidFill>
-              </a:rPr>
-              <a:t>(</a:t>
-            </a:r>
-            <a:r>
-              <a:rPr lang="en-US" sz="900" dirty="0" err="1" smtClean="0">
-                <a:solidFill>
-                  <a:schemeClr val="tx1"/>
-                </a:solidFill>
-              </a:rPr>
-              <a:t>TypeResolver</a:t>
-            </a:r>
-            <a:r>
-              <a:rPr lang="en-US" sz="900" dirty="0" smtClean="0">
-                <a:solidFill>
-                  <a:schemeClr val="tx1"/>
-                </a:solidFill>
-              </a:rPr>
-              <a:t>, </a:t>
-            </a:r>
-            <a:r>
-              <a:rPr lang="en-US" sz="900" dirty="0" err="1" smtClean="0">
-                <a:solidFill>
-                  <a:schemeClr val="tx1"/>
-                </a:solidFill>
-              </a:rPr>
-              <a:t>NameResolver</a:t>
-            </a:r>
-            <a:r>
-              <a:rPr lang="en-US" sz="900" dirty="0" smtClean="0">
-                <a:solidFill>
-                  <a:schemeClr val="tx1"/>
-                </a:solidFill>
-              </a:rPr>
-              <a:t>)</a:t>
-            </a:r>
-            <a:endParaRPr lang="en-US" sz="900" dirty="0">
-              <a:solidFill>
-                <a:schemeClr val="tx1"/>
+                <a:schemeClr val="tx1">
+                  <a:lumMod val="65000"/>
+                  <a:lumOff val="35000"/>
+                </a:schemeClr>
               </a:solidFill>
             </a:endParaRPr>
           </a:p>
@@ -4765,7 +4866,7 @@
         </p:nvCxnSpPr>
         <p:spPr>
           <a:xfrm>
-            <a:off x="4499959" y="1127227"/>
+            <a:off x="4509484" y="1041500"/>
             <a:ext cx="749776" cy="815698"/>
           </a:xfrm>
           <a:prstGeom prst="bentConnector3">
@@ -4776,7 +4877,7 @@
           <a:ln w="9525">
             <a:solidFill>
               <a:schemeClr val="bg1">
-                <a:lumMod val="50000"/>
+                <a:lumMod val="85000"/>
               </a:schemeClr>
             </a:solidFill>
             <a:prstDash val="dash"/>
@@ -4809,7 +4910,7 @@
         </p:nvCxnSpPr>
         <p:spPr>
           <a:xfrm rot="16200000" flipH="1">
-            <a:off x="5929152" y="1537347"/>
+            <a:off x="5938677" y="1451620"/>
             <a:ext cx="326777" cy="316"/>
           </a:xfrm>
           <a:prstGeom prst="bentConnector3">
@@ -4820,7 +4921,7 @@
           <a:ln w="9525">
             <a:solidFill>
               <a:schemeClr val="bg1">
-                <a:lumMod val="50000"/>
+                <a:lumMod val="85000"/>
               </a:schemeClr>
             </a:solidFill>
             <a:prstDash val="dash"/>
@@ -4853,7 +4954,7 @@
         </p:nvCxnSpPr>
         <p:spPr>
           <a:xfrm rot="10800000" flipV="1">
-            <a:off x="6935661" y="1101841"/>
+            <a:off x="6945186" y="1016114"/>
             <a:ext cx="757975" cy="841083"/>
           </a:xfrm>
           <a:prstGeom prst="bentConnector3">
@@ -4864,7 +4965,7 @@
           <a:ln w="9525">
             <a:solidFill>
               <a:schemeClr val="bg1">
-                <a:lumMod val="50000"/>
+                <a:lumMod val="85000"/>
               </a:schemeClr>
             </a:solidFill>
             <a:prstDash val="dash"/>
@@ -4897,7 +4998,7 @@
         </p:nvCxnSpPr>
         <p:spPr>
           <a:xfrm flipV="1">
-            <a:off x="6935343" y="1343872"/>
+            <a:off x="6944868" y="1258145"/>
             <a:ext cx="1601255" cy="1373220"/>
           </a:xfrm>
           <a:prstGeom prst="bentConnector2">
@@ -4906,7 +5007,7 @@
           <a:ln w="9525">
             <a:solidFill>
               <a:schemeClr val="bg1">
-                <a:lumMod val="50000"/>
+                <a:lumMod val="85000"/>
               </a:schemeClr>
             </a:solidFill>
             <a:prstDash val="dash"/>
@@ -4939,7 +5040,7 @@
         </p:nvCxnSpPr>
         <p:spPr>
           <a:xfrm rot="16200000" flipH="1">
-            <a:off x="3779290" y="1246963"/>
+            <a:off x="3788815" y="1161236"/>
             <a:ext cx="1347835" cy="1592421"/>
           </a:xfrm>
           <a:prstGeom prst="bentConnector2">
@@ -4948,7 +5049,7 @@
           <a:ln w="9525">
             <a:solidFill>
               <a:schemeClr val="bg1">
-                <a:lumMod val="50000"/>
+                <a:lumMod val="85000"/>
               </a:schemeClr>
             </a:solidFill>
             <a:prstDash val="dash"/>
@@ -4981,7 +5082,7 @@
         </p:nvCxnSpPr>
         <p:spPr>
           <a:xfrm rot="5400000" flipH="1" flipV="1">
-            <a:off x="5947486" y="2329850"/>
+            <a:off x="5957011" y="2244123"/>
             <a:ext cx="290106" cy="317"/>
           </a:xfrm>
           <a:prstGeom prst="bentConnector3">
@@ -4992,7 +5093,7 @@
           <a:ln w="9525">
             <a:solidFill>
               <a:schemeClr val="bg1">
-                <a:lumMod val="50000"/>
+                <a:lumMod val="85000"/>
               </a:schemeClr>
             </a:solidFill>
             <a:prstDash val="dash"/>
@@ -5025,7 +5126,7 @@
         </p:nvCxnSpPr>
         <p:spPr>
           <a:xfrm rot="16200000" flipV="1">
-            <a:off x="5920588" y="3130915"/>
+            <a:off x="5930113" y="3045188"/>
             <a:ext cx="348004" cy="4417"/>
           </a:xfrm>
           <a:prstGeom prst="bentConnector3">
@@ -5036,7 +5137,7 @@
           <a:ln w="9525">
             <a:solidFill>
               <a:schemeClr val="bg1">
-                <a:lumMod val="50000"/>
+                <a:lumMod val="85000"/>
               </a:schemeClr>
             </a:solidFill>
             <a:prstDash val="dash"/>
@@ -5069,7 +5170,7 @@
         </p:nvCxnSpPr>
         <p:spPr>
           <a:xfrm rot="16200000" flipH="1">
-            <a:off x="2781929" y="2037468"/>
+            <a:off x="2791454" y="1951741"/>
             <a:ext cx="813182" cy="1726130"/>
           </a:xfrm>
           <a:prstGeom prst="bentConnector3">
@@ -5080,7 +5181,7 @@
           <a:ln w="9525">
             <a:solidFill>
               <a:schemeClr val="bg1">
-                <a:lumMod val="50000"/>
+                <a:lumMod val="85000"/>
               </a:schemeClr>
             </a:solidFill>
             <a:prstDash val="dash"/>
@@ -5112,9 +5213,9 @@
           <p:nvPr/>
         </p:nvCxnSpPr>
         <p:spPr>
-          <a:xfrm>
-            <a:off x="2849334" y="3545704"/>
-            <a:ext cx="359288" cy="3451"/>
+          <a:xfrm flipV="1">
+            <a:off x="2854444" y="3463428"/>
+            <a:ext cx="363703" cy="3"/>
           </a:xfrm>
           <a:prstGeom prst="bentConnector3">
             <a:avLst>
@@ -5124,7 +5225,7 @@
           <a:ln w="9525">
             <a:solidFill>
               <a:schemeClr val="bg1">
-                <a:lumMod val="50000"/>
+                <a:lumMod val="85000"/>
               </a:schemeClr>
             </a:solidFill>
             <a:prstDash val="dash"/>
@@ -5157,8 +5258,8 @@
         </p:nvCxnSpPr>
         <p:spPr>
           <a:xfrm>
-            <a:off x="8984973" y="3552890"/>
-            <a:ext cx="359288" cy="1086"/>
+            <a:off x="8994498" y="3467163"/>
+            <a:ext cx="359288" cy="599"/>
           </a:xfrm>
           <a:prstGeom prst="bentConnector3">
             <a:avLst>
@@ -5168,7 +5269,7 @@
           <a:ln w="9525">
             <a:solidFill>
               <a:schemeClr val="bg1">
-                <a:lumMod val="50000"/>
+                <a:lumMod val="85000"/>
               </a:schemeClr>
             </a:solidFill>
             <a:prstDash val="dash"/>
@@ -5201,7 +5302,7 @@
         </p:nvCxnSpPr>
         <p:spPr>
           <a:xfrm rot="10800000">
-            <a:off x="4894547" y="3549155"/>
+            <a:off x="4904072" y="3463428"/>
             <a:ext cx="359288" cy="2"/>
           </a:xfrm>
           <a:prstGeom prst="bentConnector3">
@@ -5212,7 +5313,7 @@
           <a:ln w="9525">
             <a:solidFill>
               <a:schemeClr val="bg1">
-                <a:lumMod val="50000"/>
+                <a:lumMod val="85000"/>
               </a:schemeClr>
             </a:solidFill>
             <a:prstDash val="dash"/>
@@ -5245,7 +5346,7 @@
         </p:nvCxnSpPr>
         <p:spPr>
           <a:xfrm rot="5400000">
-            <a:off x="7725811" y="4108026"/>
+            <a:off x="7735336" y="4022299"/>
             <a:ext cx="729307" cy="103094"/>
           </a:xfrm>
           <a:prstGeom prst="bentConnector2">
@@ -5254,7 +5355,7 @@
           <a:ln w="9525">
             <a:solidFill>
               <a:schemeClr val="bg1">
-                <a:lumMod val="50000"/>
+                <a:lumMod val="85000"/>
               </a:schemeClr>
             </a:solidFill>
             <a:prstDash val="dash"/>
@@ -5287,7 +5388,7 @@
         </p:nvCxnSpPr>
         <p:spPr>
           <a:xfrm rot="16200000" flipV="1">
-            <a:off x="6463213" y="3424772"/>
+            <a:off x="6472738" y="3339045"/>
             <a:ext cx="366328" cy="1099157"/>
           </a:xfrm>
           <a:prstGeom prst="bentConnector3">
@@ -5298,7 +5399,7 @@
           <a:ln w="9525">
             <a:solidFill>
               <a:schemeClr val="bg1">
-                <a:lumMod val="50000"/>
+                <a:lumMod val="85000"/>
               </a:schemeClr>
             </a:solidFill>
             <a:prstDash val="dash"/>
@@ -5331,7 +5432,7 @@
         </p:nvCxnSpPr>
         <p:spPr>
           <a:xfrm rot="5400000" flipH="1" flipV="1">
-            <a:off x="5354285" y="3415003"/>
+            <a:off x="5363810" y="3329276"/>
             <a:ext cx="366328" cy="1118697"/>
           </a:xfrm>
           <a:prstGeom prst="bentConnector3">
@@ -5342,95 +5443,7 @@
           <a:ln w="9525">
             <a:solidFill>
               <a:schemeClr val="bg1">
-                <a:lumMod val="50000"/>
-              </a:schemeClr>
-            </a:solidFill>
-            <a:prstDash val="dash"/>
-          </a:ln>
-          <a:effectLst/>
-        </p:spPr>
-        <p:style>
-          <a:lnRef idx="1">
-            <a:schemeClr val="accent1"/>
-          </a:lnRef>
-          <a:fillRef idx="0">
-            <a:schemeClr val="accent1"/>
-          </a:fillRef>
-          <a:effectRef idx="0">
-            <a:schemeClr val="accent1"/>
-          </a:effectRef>
-          <a:fontRef idx="minor">
-            <a:schemeClr val="tx1"/>
-          </a:fontRef>
-        </p:style>
-      </p:cxnSp>
-      <p:cxnSp>
-        <p:nvCxnSpPr>
-          <p:cNvPr id="96" name="Elbow Connector 95"/>
-          <p:cNvCxnSpPr>
-            <a:stCxn id="7" idx="1"/>
-            <a:endCxn id="6" idx="1"/>
-          </p:cNvCxnSpPr>
-          <p:nvPr/>
-        </p:nvCxnSpPr>
-        <p:spPr>
-          <a:xfrm rot="16200000" flipV="1">
-            <a:off x="6093226" y="2940805"/>
-            <a:ext cx="12700" cy="5320832"/>
-          </a:xfrm>
-          <a:prstGeom prst="bentConnector3">
-            <a:avLst>
-              <a:gd name="adj1" fmla="val 2832504"/>
-            </a:avLst>
-          </a:prstGeom>
-          <a:ln w="9525">
-            <a:solidFill>
-              <a:schemeClr val="bg1">
-                <a:lumMod val="50000"/>
-              </a:schemeClr>
-            </a:solidFill>
-            <a:prstDash val="dash"/>
-          </a:ln>
-          <a:effectLst/>
-        </p:spPr>
-        <p:style>
-          <a:lnRef idx="1">
-            <a:schemeClr val="accent1"/>
-          </a:lnRef>
-          <a:fillRef idx="0">
-            <a:schemeClr val="accent1"/>
-          </a:fillRef>
-          <a:effectRef idx="0">
-            <a:schemeClr val="accent1"/>
-          </a:effectRef>
-          <a:fontRef idx="minor">
-            <a:schemeClr val="tx1"/>
-          </a:fontRef>
-        </p:style>
-      </p:cxnSp>
-      <p:cxnSp>
-        <p:nvCxnSpPr>
-          <p:cNvPr id="112" name="Elbow Connector 111"/>
-          <p:cNvCxnSpPr>
-            <a:stCxn id="13" idx="2"/>
-            <a:endCxn id="5" idx="1"/>
-          </p:cNvCxnSpPr>
-          <p:nvPr/>
-        </p:nvCxnSpPr>
-        <p:spPr>
-          <a:xfrm rot="16200000" flipH="1">
-            <a:off x="4735054" y="5133985"/>
-            <a:ext cx="710281" cy="224187"/>
-          </a:xfrm>
-          <a:prstGeom prst="bentConnector3">
-            <a:avLst>
-              <a:gd name="adj1" fmla="val 50000"/>
-            </a:avLst>
-          </a:prstGeom>
-          <a:ln w="9525">
-            <a:solidFill>
-              <a:schemeClr val="bg1">
-                <a:lumMod val="50000"/>
+                <a:lumMod val="85000"/>
               </a:schemeClr>
             </a:solidFill>
             <a:prstDash val="dash"/>
@@ -5456,25 +5469,65 @@
         <p:nvCxnSpPr>
           <p:cNvPr id="115" name="Elbow Connector 114"/>
           <p:cNvCxnSpPr>
-            <a:stCxn id="4" idx="1"/>
+            <a:stCxn id="4" idx="4"/>
             <a:endCxn id="27" idx="2"/>
           </p:cNvCxnSpPr>
           <p:nvPr/>
         </p:nvCxnSpPr>
         <p:spPr>
-          <a:xfrm rot="5400000" flipH="1" flipV="1">
-            <a:off x="6728720" y="5133987"/>
-            <a:ext cx="710283" cy="224188"/>
+          <a:xfrm flipV="1">
+            <a:off x="6944868" y="4805212"/>
+            <a:ext cx="260612" cy="915878"/>
           </a:xfrm>
-          <a:prstGeom prst="bentConnector3">
-            <a:avLst>
-              <a:gd name="adj1" fmla="val 50000"/>
-            </a:avLst>
+          <a:prstGeom prst="bentConnector2">
+            <a:avLst/>
           </a:prstGeom>
           <a:ln w="9525">
             <a:solidFill>
               <a:schemeClr val="bg1">
-                <a:lumMod val="50000"/>
+                <a:lumMod val="85000"/>
+              </a:schemeClr>
+            </a:solidFill>
+            <a:prstDash val="dash"/>
+          </a:ln>
+          <a:effectLst/>
+        </p:spPr>
+        <p:style>
+          <a:lnRef idx="1">
+            <a:schemeClr val="accent1"/>
+          </a:lnRef>
+          <a:fillRef idx="0">
+            <a:schemeClr val="accent1"/>
+          </a:fillRef>
+          <a:effectRef idx="0">
+            <a:schemeClr val="accent1"/>
+          </a:effectRef>
+          <a:fontRef idx="minor">
+            <a:schemeClr val="tx1"/>
+          </a:fontRef>
+        </p:style>
+      </p:cxnSp>
+      <p:cxnSp>
+        <p:nvCxnSpPr>
+          <p:cNvPr id="41" name="Elbow Connector 40"/>
+          <p:cNvCxnSpPr>
+            <a:stCxn id="4" idx="2"/>
+            <a:endCxn id="13" idx="2"/>
+          </p:cNvCxnSpPr>
+          <p:nvPr/>
+        </p:nvCxnSpPr>
+        <p:spPr>
+          <a:xfrm rot="10800000">
+            <a:off x="4987627" y="4805212"/>
+            <a:ext cx="271317" cy="915878"/>
+          </a:xfrm>
+          <a:prstGeom prst="bentConnector2">
+            <a:avLst/>
+          </a:prstGeom>
+          <a:ln w="9525">
+            <a:solidFill>
+              <a:schemeClr val="bg1">
+                <a:lumMod val="85000"/>
               </a:schemeClr>
             </a:solidFill>
             <a:prstDash val="dash"/>
